--- a/submissions/phase2/eda.pptx
+++ b/submissions/phase2/eda.pptx
@@ -8,6 +8,16 @@
     <p:sldId id="257" r:id="rId2"/>
     <p:sldId id="258" r:id="rId3"/>
     <p:sldId id="259" r:id="rId4"/>
+    <p:sldId id="261" r:id="rId5"/>
+    <p:sldId id="263" r:id="rId6"/>
+    <p:sldId id="264" r:id="rId7"/>
+    <p:sldId id="266" r:id="rId8"/>
+    <p:sldId id="268" r:id="rId9"/>
+    <p:sldId id="269" r:id="rId10"/>
+    <p:sldId id="270" r:id="rId11"/>
+    <p:sldId id="271" r:id="rId12"/>
+    <p:sldId id="272" r:id="rId13"/>
+    <p:sldId id="273" r:id="rId14"/>
   </p:sldIdLst>
   <p:sldSz cx="12192000" cy="6858000"/>
   <p:notesSz cx="6858000" cy="9144000"/>
@@ -3791,6 +3801,1512 @@
 </p:sld>
 </file>
 
+<file path=ppt/slides/slide10.xml><?xml version="1.0" encoding="utf-8"?>
+<p:sld xmlns:a="http://schemas.openxmlformats.org/drawingml/2006/main" xmlns:r="http://schemas.openxmlformats.org/officeDocument/2006/relationships" xmlns:p="http://schemas.openxmlformats.org/presentationml/2006/main">
+  <p:cSld>
+    <p:spTree>
+      <p:nvGrpSpPr>
+        <p:cNvPr id="1" name=""/>
+        <p:cNvGrpSpPr/>
+        <p:nvPr/>
+      </p:nvGrpSpPr>
+      <p:grpSpPr>
+        <a:xfrm>
+          <a:off x="0" y="0"/>
+          <a:ext cx="0" cy="0"/>
+          <a:chOff x="0" y="0"/>
+          <a:chExt cx="0" cy="0"/>
+        </a:xfrm>
+      </p:grpSpPr>
+      <p:sp>
+        <p:nvSpPr>
+          <p:cNvPr id="7" name="TextBox 6">
+            <a:extLst>
+              <a:ext uri="{FF2B5EF4-FFF2-40B4-BE49-F238E27FC236}">
+                <a16:creationId xmlns:a16="http://schemas.microsoft.com/office/drawing/2014/main" id="{5D125FF5-A4BE-F7D1-48A3-B299B2BD4C00}"/>
+              </a:ext>
+            </a:extLst>
+          </p:cNvPr>
+          <p:cNvSpPr txBox="1"/>
+          <p:nvPr/>
+        </p:nvSpPr>
+        <p:spPr>
+          <a:xfrm>
+            <a:off x="781878" y="160847"/>
+            <a:ext cx="11410122" cy="658835"/>
+          </a:xfrm>
+          <a:prstGeom prst="rect">
+            <a:avLst/>
+          </a:prstGeom>
+          <a:noFill/>
+        </p:spPr>
+        <p:txBody>
+          <a:bodyPr wrap="square">
+            <a:spAutoFit/>
+          </a:bodyPr>
+          <a:lstStyle/>
+          <a:p>
+            <a:pPr>
+              <a:lnSpc>
+                <a:spcPct val="150000"/>
+              </a:lnSpc>
+            </a:pPr>
+            <a:r>
+              <a:rPr lang="en-US" altLang="zh-CN" sz="2800" dirty="0">
+                <a:solidFill>
+                  <a:schemeClr val="bg2">
+                    <a:lumMod val="25000"/>
+                  </a:schemeClr>
+                </a:solidFill>
+                <a:latin typeface="Arial" panose="020B0604020202020204" pitchFamily="34" charset="0"/>
+                <a:ea typeface="微软雅黑" panose="020B0503020204020204" pitchFamily="34" charset="-122"/>
+                <a:cs typeface="Arial" panose="020B0604020202020204" pitchFamily="34" charset="0"/>
+              </a:rPr>
+              <a:t>EDA on Train Set: EDA on encoded attributes (outlier detection)</a:t>
+            </a:r>
+          </a:p>
+        </p:txBody>
+      </p:sp>
+      <p:sp>
+        <p:nvSpPr>
+          <p:cNvPr id="11" name="Slide Number Placeholder 10">
+            <a:extLst>
+              <a:ext uri="{FF2B5EF4-FFF2-40B4-BE49-F238E27FC236}">
+                <a16:creationId xmlns:a16="http://schemas.microsoft.com/office/drawing/2014/main" id="{E4FAC7AA-BDB7-F7C0-F177-96942C945B33}"/>
+              </a:ext>
+            </a:extLst>
+          </p:cNvPr>
+          <p:cNvSpPr>
+            <a:spLocks noGrp="1"/>
+          </p:cNvSpPr>
+          <p:nvPr>
+            <p:ph type="sldNum" sz="quarter" idx="12"/>
+          </p:nvPr>
+        </p:nvSpPr>
+        <p:spPr/>
+        <p:txBody>
+          <a:bodyPr/>
+          <a:lstStyle/>
+          <a:p>
+            <a:fld id="{CD1615FA-664A-4E3E-8664-50FDFADF9207}" type="slidenum">
+              <a:rPr lang="zh-CN" altLang="en-US" smtClean="0"/>
+              <a:t>10</a:t>
+            </a:fld>
+            <a:endParaRPr lang="zh-CN" altLang="en-US"/>
+          </a:p>
+        </p:txBody>
+      </p:sp>
+      <p:sp>
+        <p:nvSpPr>
+          <p:cNvPr id="2" name="Flowchart: Process 1">
+            <a:extLst>
+              <a:ext uri="{FF2B5EF4-FFF2-40B4-BE49-F238E27FC236}">
+                <a16:creationId xmlns:a16="http://schemas.microsoft.com/office/drawing/2014/main" id="{8105CBB4-A62C-646D-028E-C22D78DFD5E9}"/>
+              </a:ext>
+            </a:extLst>
+          </p:cNvPr>
+          <p:cNvSpPr/>
+          <p:nvPr/>
+        </p:nvSpPr>
+        <p:spPr>
+          <a:xfrm flipV="1">
+            <a:off x="0" y="1046870"/>
+            <a:ext cx="12192000" cy="9144"/>
+          </a:xfrm>
+          <a:prstGeom prst="flowChartProcess">
+            <a:avLst/>
+          </a:prstGeom>
+          <a:solidFill>
+            <a:srgbClr val="D41B2C"/>
+          </a:solidFill>
+          <a:ln>
+            <a:noFill/>
+          </a:ln>
+        </p:spPr>
+        <p:style>
+          <a:lnRef idx="2">
+            <a:schemeClr val="accent1">
+              <a:shade val="15000"/>
+            </a:schemeClr>
+          </a:lnRef>
+          <a:fillRef idx="1">
+            <a:schemeClr val="accent1"/>
+          </a:fillRef>
+          <a:effectRef idx="0">
+            <a:schemeClr val="accent1"/>
+          </a:effectRef>
+          <a:fontRef idx="minor">
+            <a:schemeClr val="lt1"/>
+          </a:fontRef>
+        </p:style>
+        <p:txBody>
+          <a:bodyPr rtlCol="0" anchor="ctr"/>
+          <a:lstStyle/>
+          <a:p>
+            <a:pPr algn="ctr"/>
+            <a:endParaRPr lang="zh-CN" altLang="en-US"/>
+          </a:p>
+        </p:txBody>
+      </p:sp>
+      <p:sp>
+        <p:nvSpPr>
+          <p:cNvPr id="5" name="TextBox 4">
+            <a:extLst>
+              <a:ext uri="{FF2B5EF4-FFF2-40B4-BE49-F238E27FC236}">
+                <a16:creationId xmlns:a16="http://schemas.microsoft.com/office/drawing/2014/main" id="{ADBBB4F8-6B9D-FEF2-AEE8-6C009B458ECD}"/>
+              </a:ext>
+            </a:extLst>
+          </p:cNvPr>
+          <p:cNvSpPr txBox="1"/>
+          <p:nvPr/>
+        </p:nvSpPr>
+        <p:spPr>
+          <a:xfrm>
+            <a:off x="806330" y="4896645"/>
+            <a:ext cx="9786886" cy="735714"/>
+          </a:xfrm>
+          <a:prstGeom prst="rect">
+            <a:avLst/>
+          </a:prstGeom>
+          <a:noFill/>
+        </p:spPr>
+        <p:txBody>
+          <a:bodyPr wrap="square">
+            <a:spAutoFit/>
+          </a:bodyPr>
+          <a:lstStyle>
+            <a:defPPr>
+              <a:defRPr lang="zh-CN"/>
+            </a:defPPr>
+            <a:lvl1pPr marL="285750" indent="-285750">
+              <a:lnSpc>
+                <a:spcPct val="120000"/>
+              </a:lnSpc>
+              <a:buClr>
+                <a:srgbClr val="D41B2C"/>
+              </a:buClr>
+              <a:buFont typeface="Wingdings" panose="05000000000000000000" pitchFamily="2" charset="2"/>
+              <a:buChar char="n"/>
+              <a:defRPr/>
+            </a:lvl1pPr>
+          </a:lstStyle>
+          <a:p>
+            <a:r>
+              <a:rPr lang="en-US" altLang="zh-CN" dirty="0"/>
+              <a:t>Outlier fraction in all attributes decreased after target encoding. This is reasonable as target encoding can kind of smooth extreme values and make the feature less "</a:t>
+            </a:r>
+            <a:r>
+              <a:rPr lang="en-US" altLang="zh-CN" dirty="0" err="1"/>
+              <a:t>outliery</a:t>
+            </a:r>
+            <a:r>
+              <a:rPr lang="en-US" altLang="zh-CN" dirty="0"/>
+              <a:t>".</a:t>
+            </a:r>
+          </a:p>
+        </p:txBody>
+      </p:sp>
+      <p:pic>
+        <p:nvPicPr>
+          <p:cNvPr id="4098" name="Picture 2" descr="No description has been provided for this image">
+            <a:extLst>
+              <a:ext uri="{FF2B5EF4-FFF2-40B4-BE49-F238E27FC236}">
+                <a16:creationId xmlns:a16="http://schemas.microsoft.com/office/drawing/2014/main" id="{1B995D4E-3084-8960-268A-6FD5C2C65247}"/>
+              </a:ext>
+            </a:extLst>
+          </p:cNvPr>
+          <p:cNvPicPr>
+            <a:picLocks noChangeAspect="1" noChangeArrowheads="1"/>
+          </p:cNvPicPr>
+          <p:nvPr/>
+        </p:nvPicPr>
+        <p:blipFill>
+          <a:blip r:embed="rId2">
+            <a:extLst>
+              <a:ext uri="{28A0092B-C50C-407E-A947-70E740481C1C}">
+                <a14:useLocalDpi xmlns:a14="http://schemas.microsoft.com/office/drawing/2010/main" val="0"/>
+              </a:ext>
+            </a:extLst>
+          </a:blip>
+          <a:srcRect/>
+          <a:stretch>
+            <a:fillRect/>
+          </a:stretch>
+        </p:blipFill>
+        <p:spPr bwMode="auto">
+          <a:xfrm>
+            <a:off x="781878" y="1254251"/>
+            <a:ext cx="3246004" cy="3315419"/>
+          </a:xfrm>
+          <a:prstGeom prst="rect">
+            <a:avLst/>
+          </a:prstGeom>
+          <a:noFill/>
+          <a:ln>
+            <a:solidFill>
+              <a:srgbClr val="328EB5"/>
+            </a:solidFill>
+          </a:ln>
+          <a:extLst>
+            <a:ext uri="{909E8E84-426E-40DD-AFC4-6F175D3DCCD1}">
+              <a14:hiddenFill xmlns:a14="http://schemas.microsoft.com/office/drawing/2010/main">
+                <a:solidFill>
+                  <a:srgbClr val="FFFFFF"/>
+                </a:solidFill>
+              </a14:hiddenFill>
+            </a:ext>
+          </a:extLst>
+        </p:spPr>
+      </p:pic>
+      <p:pic>
+        <p:nvPicPr>
+          <p:cNvPr id="4" name="Picture 3">
+            <a:extLst>
+              <a:ext uri="{FF2B5EF4-FFF2-40B4-BE49-F238E27FC236}">
+                <a16:creationId xmlns:a16="http://schemas.microsoft.com/office/drawing/2014/main" id="{15DCBCF8-68CF-409B-6C31-629C708F0CE9}"/>
+              </a:ext>
+            </a:extLst>
+          </p:cNvPr>
+          <p:cNvPicPr>
+            <a:picLocks noChangeAspect="1"/>
+          </p:cNvPicPr>
+          <p:nvPr/>
+        </p:nvPicPr>
+        <p:blipFill>
+          <a:blip r:embed="rId3"/>
+          <a:stretch>
+            <a:fillRect/>
+          </a:stretch>
+        </p:blipFill>
+        <p:spPr>
+          <a:xfrm>
+            <a:off x="4439679" y="1261099"/>
+            <a:ext cx="5525744" cy="3308571"/>
+          </a:xfrm>
+          <a:prstGeom prst="rect">
+            <a:avLst/>
+          </a:prstGeom>
+          <a:ln>
+            <a:solidFill>
+              <a:srgbClr val="328EB5"/>
+            </a:solidFill>
+          </a:ln>
+        </p:spPr>
+      </p:pic>
+      <p:sp>
+        <p:nvSpPr>
+          <p:cNvPr id="8" name="TextBox 7">
+            <a:extLst>
+              <a:ext uri="{FF2B5EF4-FFF2-40B4-BE49-F238E27FC236}">
+                <a16:creationId xmlns:a16="http://schemas.microsoft.com/office/drawing/2014/main" id="{0D7ACA50-3851-0DE7-D24F-0F02392BAC92}"/>
+              </a:ext>
+            </a:extLst>
+          </p:cNvPr>
+          <p:cNvSpPr txBox="1"/>
+          <p:nvPr/>
+        </p:nvSpPr>
+        <p:spPr>
+          <a:xfrm>
+            <a:off x="781878" y="5596901"/>
+            <a:ext cx="9811338" cy="735714"/>
+          </a:xfrm>
+          <a:prstGeom prst="rect">
+            <a:avLst/>
+          </a:prstGeom>
+          <a:noFill/>
+        </p:spPr>
+        <p:txBody>
+          <a:bodyPr wrap="square">
+            <a:spAutoFit/>
+          </a:bodyPr>
+          <a:lstStyle>
+            <a:defPPr>
+              <a:defRPr lang="zh-CN"/>
+            </a:defPPr>
+            <a:lvl1pPr marL="285750" indent="-285750">
+              <a:lnSpc>
+                <a:spcPct val="120000"/>
+              </a:lnSpc>
+              <a:buClr>
+                <a:srgbClr val="D41B2C"/>
+              </a:buClr>
+              <a:buFont typeface="Wingdings" panose="05000000000000000000" pitchFamily="2" charset="2"/>
+              <a:buChar char="n"/>
+              <a:defRPr/>
+            </a:lvl1pPr>
+          </a:lstStyle>
+          <a:p>
+            <a:r>
+              <a:rPr lang="en-US" altLang="zh-CN" dirty="0"/>
+              <a:t>However, there are still some attributes with a significantly high outlier fraction (&gt;20%). We will not decide to drop them simply in this step. Some of them seem like useful predictors.</a:t>
+            </a:r>
+            <a:endParaRPr lang="zh-CN" altLang="en-US" dirty="0"/>
+          </a:p>
+        </p:txBody>
+      </p:sp>
+    </p:spTree>
+    <p:extLst>
+      <p:ext uri="{BB962C8B-B14F-4D97-AF65-F5344CB8AC3E}">
+        <p14:creationId xmlns:p14="http://schemas.microsoft.com/office/powerpoint/2010/main" val="1638480417"/>
+      </p:ext>
+    </p:extLst>
+  </p:cSld>
+  <p:clrMapOvr>
+    <a:masterClrMapping/>
+  </p:clrMapOvr>
+</p:sld>
+</file>
+
+<file path=ppt/slides/slide11.xml><?xml version="1.0" encoding="utf-8"?>
+<p:sld xmlns:a="http://schemas.openxmlformats.org/drawingml/2006/main" xmlns:r="http://schemas.openxmlformats.org/officeDocument/2006/relationships" xmlns:p="http://schemas.openxmlformats.org/presentationml/2006/main">
+  <p:cSld>
+    <p:spTree>
+      <p:nvGrpSpPr>
+        <p:cNvPr id="1" name=""/>
+        <p:cNvGrpSpPr/>
+        <p:nvPr/>
+      </p:nvGrpSpPr>
+      <p:grpSpPr>
+        <a:xfrm>
+          <a:off x="0" y="0"/>
+          <a:ext cx="0" cy="0"/>
+          <a:chOff x="0" y="0"/>
+          <a:chExt cx="0" cy="0"/>
+        </a:xfrm>
+      </p:grpSpPr>
+      <p:sp>
+        <p:nvSpPr>
+          <p:cNvPr id="7" name="TextBox 6">
+            <a:extLst>
+              <a:ext uri="{FF2B5EF4-FFF2-40B4-BE49-F238E27FC236}">
+                <a16:creationId xmlns:a16="http://schemas.microsoft.com/office/drawing/2014/main" id="{5D125FF5-A4BE-F7D1-48A3-B299B2BD4C00}"/>
+              </a:ext>
+            </a:extLst>
+          </p:cNvPr>
+          <p:cNvSpPr txBox="1"/>
+          <p:nvPr/>
+        </p:nvSpPr>
+        <p:spPr>
+          <a:xfrm>
+            <a:off x="781878" y="160847"/>
+            <a:ext cx="11410122" cy="658835"/>
+          </a:xfrm>
+          <a:prstGeom prst="rect">
+            <a:avLst/>
+          </a:prstGeom>
+          <a:noFill/>
+        </p:spPr>
+        <p:txBody>
+          <a:bodyPr wrap="square">
+            <a:spAutoFit/>
+          </a:bodyPr>
+          <a:lstStyle/>
+          <a:p>
+            <a:pPr>
+              <a:lnSpc>
+                <a:spcPct val="150000"/>
+              </a:lnSpc>
+            </a:pPr>
+            <a:r>
+              <a:rPr lang="en-US" altLang="zh-CN" sz="2800" dirty="0">
+                <a:solidFill>
+                  <a:schemeClr val="bg2">
+                    <a:lumMod val="25000"/>
+                  </a:schemeClr>
+                </a:solidFill>
+                <a:latin typeface="Arial" panose="020B0604020202020204" pitchFamily="34" charset="0"/>
+                <a:ea typeface="微软雅黑" panose="020B0503020204020204" pitchFamily="34" charset="-122"/>
+                <a:cs typeface="Arial" panose="020B0604020202020204" pitchFamily="34" charset="0"/>
+              </a:rPr>
+              <a:t>EDA on Train Set: EDA on encoded attributes (feature correlation)</a:t>
+            </a:r>
+          </a:p>
+        </p:txBody>
+      </p:sp>
+      <p:sp>
+        <p:nvSpPr>
+          <p:cNvPr id="11" name="Slide Number Placeholder 10">
+            <a:extLst>
+              <a:ext uri="{FF2B5EF4-FFF2-40B4-BE49-F238E27FC236}">
+                <a16:creationId xmlns:a16="http://schemas.microsoft.com/office/drawing/2014/main" id="{E4FAC7AA-BDB7-F7C0-F177-96942C945B33}"/>
+              </a:ext>
+            </a:extLst>
+          </p:cNvPr>
+          <p:cNvSpPr>
+            <a:spLocks noGrp="1"/>
+          </p:cNvSpPr>
+          <p:nvPr>
+            <p:ph type="sldNum" sz="quarter" idx="12"/>
+          </p:nvPr>
+        </p:nvSpPr>
+        <p:spPr/>
+        <p:txBody>
+          <a:bodyPr/>
+          <a:lstStyle/>
+          <a:p>
+            <a:fld id="{CD1615FA-664A-4E3E-8664-50FDFADF9207}" type="slidenum">
+              <a:rPr lang="zh-CN" altLang="en-US" smtClean="0"/>
+              <a:t>11</a:t>
+            </a:fld>
+            <a:endParaRPr lang="zh-CN" altLang="en-US"/>
+          </a:p>
+        </p:txBody>
+      </p:sp>
+      <p:sp>
+        <p:nvSpPr>
+          <p:cNvPr id="2" name="Flowchart: Process 1">
+            <a:extLst>
+              <a:ext uri="{FF2B5EF4-FFF2-40B4-BE49-F238E27FC236}">
+                <a16:creationId xmlns:a16="http://schemas.microsoft.com/office/drawing/2014/main" id="{8105CBB4-A62C-646D-028E-C22D78DFD5E9}"/>
+              </a:ext>
+            </a:extLst>
+          </p:cNvPr>
+          <p:cNvSpPr/>
+          <p:nvPr/>
+        </p:nvSpPr>
+        <p:spPr>
+          <a:xfrm flipV="1">
+            <a:off x="0" y="1046870"/>
+            <a:ext cx="12192000" cy="9144"/>
+          </a:xfrm>
+          <a:prstGeom prst="flowChartProcess">
+            <a:avLst/>
+          </a:prstGeom>
+          <a:solidFill>
+            <a:srgbClr val="D41B2C"/>
+          </a:solidFill>
+          <a:ln>
+            <a:noFill/>
+          </a:ln>
+        </p:spPr>
+        <p:style>
+          <a:lnRef idx="2">
+            <a:schemeClr val="accent1">
+              <a:shade val="15000"/>
+            </a:schemeClr>
+          </a:lnRef>
+          <a:fillRef idx="1">
+            <a:schemeClr val="accent1"/>
+          </a:fillRef>
+          <a:effectRef idx="0">
+            <a:schemeClr val="accent1"/>
+          </a:effectRef>
+          <a:fontRef idx="minor">
+            <a:schemeClr val="lt1"/>
+          </a:fontRef>
+        </p:style>
+        <p:txBody>
+          <a:bodyPr rtlCol="0" anchor="ctr"/>
+          <a:lstStyle/>
+          <a:p>
+            <a:pPr algn="ctr"/>
+            <a:endParaRPr lang="zh-CN" altLang="en-US"/>
+          </a:p>
+        </p:txBody>
+      </p:sp>
+      <p:sp>
+        <p:nvSpPr>
+          <p:cNvPr id="5" name="TextBox 4">
+            <a:extLst>
+              <a:ext uri="{FF2B5EF4-FFF2-40B4-BE49-F238E27FC236}">
+                <a16:creationId xmlns:a16="http://schemas.microsoft.com/office/drawing/2014/main" id="{ADBBB4F8-6B9D-FEF2-AEE8-6C009B458ECD}"/>
+              </a:ext>
+            </a:extLst>
+          </p:cNvPr>
+          <p:cNvSpPr txBox="1"/>
+          <p:nvPr/>
+        </p:nvSpPr>
+        <p:spPr>
+          <a:xfrm>
+            <a:off x="988449" y="5016446"/>
+            <a:ext cx="9786886" cy="735714"/>
+          </a:xfrm>
+          <a:prstGeom prst="rect">
+            <a:avLst/>
+          </a:prstGeom>
+          <a:noFill/>
+        </p:spPr>
+        <p:txBody>
+          <a:bodyPr wrap="square">
+            <a:spAutoFit/>
+          </a:bodyPr>
+          <a:lstStyle>
+            <a:defPPr>
+              <a:defRPr lang="zh-CN"/>
+            </a:defPPr>
+            <a:lvl1pPr marL="285750" indent="-285750">
+              <a:lnSpc>
+                <a:spcPct val="120000"/>
+              </a:lnSpc>
+              <a:buClr>
+                <a:srgbClr val="D41B2C"/>
+              </a:buClr>
+              <a:buFont typeface="Wingdings" panose="05000000000000000000" pitchFamily="2" charset="2"/>
+              <a:buChar char="n"/>
+              <a:defRPr/>
+            </a:lvl1pPr>
+          </a:lstStyle>
+          <a:p>
+            <a:r>
+              <a:rPr lang="en-US" altLang="zh-CN" dirty="0"/>
+              <a:t>There are a remarkable number of attribute pairs with a </a:t>
+            </a:r>
+            <a:r>
+              <a:rPr lang="en-US" altLang="zh-CN" b="1" dirty="0">
+                <a:solidFill>
+                  <a:srgbClr val="D41B2C"/>
+                </a:solidFill>
+              </a:rPr>
+              <a:t>high correlation </a:t>
+            </a:r>
+            <a:r>
+              <a:rPr lang="en-US" altLang="zh-CN" dirty="0"/>
+              <a:t>(&gt;0.7). We will consider dropping one from the pair of them.</a:t>
+            </a:r>
+          </a:p>
+        </p:txBody>
+      </p:sp>
+      <p:sp>
+        <p:nvSpPr>
+          <p:cNvPr id="8" name="TextBox 7">
+            <a:extLst>
+              <a:ext uri="{FF2B5EF4-FFF2-40B4-BE49-F238E27FC236}">
+                <a16:creationId xmlns:a16="http://schemas.microsoft.com/office/drawing/2014/main" id="{0D7ACA50-3851-0DE7-D24F-0F02392BAC92}"/>
+              </a:ext>
+            </a:extLst>
+          </p:cNvPr>
+          <p:cNvSpPr txBox="1"/>
+          <p:nvPr/>
+        </p:nvSpPr>
+        <p:spPr>
+          <a:xfrm>
+            <a:off x="963997" y="5716702"/>
+            <a:ext cx="9811338" cy="403316"/>
+          </a:xfrm>
+          <a:prstGeom prst="rect">
+            <a:avLst/>
+          </a:prstGeom>
+          <a:noFill/>
+        </p:spPr>
+        <p:txBody>
+          <a:bodyPr wrap="square">
+            <a:spAutoFit/>
+          </a:bodyPr>
+          <a:lstStyle>
+            <a:defPPr>
+              <a:defRPr lang="zh-CN"/>
+            </a:defPPr>
+            <a:lvl1pPr marL="285750" indent="-285750">
+              <a:lnSpc>
+                <a:spcPct val="120000"/>
+              </a:lnSpc>
+              <a:buClr>
+                <a:srgbClr val="D41B2C"/>
+              </a:buClr>
+              <a:buFont typeface="Wingdings" panose="05000000000000000000" pitchFamily="2" charset="2"/>
+              <a:buChar char="n"/>
+              <a:defRPr/>
+            </a:lvl1pPr>
+          </a:lstStyle>
+          <a:p>
+            <a:r>
+              <a:rPr lang="en-US" altLang="zh-CN" dirty="0"/>
+              <a:t>There are some very </a:t>
+            </a:r>
+            <a:r>
+              <a:rPr lang="en-US" altLang="zh-CN" b="1" dirty="0">
+                <a:solidFill>
+                  <a:srgbClr val="D41B2C"/>
+                </a:solidFill>
+              </a:rPr>
+              <a:t>high VIFs </a:t>
+            </a:r>
+            <a:r>
+              <a:rPr lang="en-US" altLang="zh-CN" dirty="0"/>
+              <a:t>(&gt;5), which reveals the existence of multi co-linearity.</a:t>
+            </a:r>
+            <a:endParaRPr lang="zh-CN" altLang="en-US" dirty="0"/>
+          </a:p>
+        </p:txBody>
+      </p:sp>
+      <p:pic>
+        <p:nvPicPr>
+          <p:cNvPr id="6" name="Picture 5">
+            <a:extLst>
+              <a:ext uri="{FF2B5EF4-FFF2-40B4-BE49-F238E27FC236}">
+                <a16:creationId xmlns:a16="http://schemas.microsoft.com/office/drawing/2014/main" id="{12C95820-B6B5-C619-DA04-FE4445079748}"/>
+              </a:ext>
+            </a:extLst>
+          </p:cNvPr>
+          <p:cNvPicPr>
+            <a:picLocks noChangeAspect="1"/>
+          </p:cNvPicPr>
+          <p:nvPr/>
+        </p:nvPicPr>
+        <p:blipFill>
+          <a:blip r:embed="rId2"/>
+          <a:stretch>
+            <a:fillRect/>
+          </a:stretch>
+        </p:blipFill>
+        <p:spPr>
+          <a:xfrm>
+            <a:off x="988449" y="1347842"/>
+            <a:ext cx="4476686" cy="3312471"/>
+          </a:xfrm>
+          <a:prstGeom prst="rect">
+            <a:avLst/>
+          </a:prstGeom>
+          <a:ln>
+            <a:solidFill>
+              <a:srgbClr val="328EB5"/>
+            </a:solidFill>
+          </a:ln>
+        </p:spPr>
+      </p:pic>
+      <p:pic>
+        <p:nvPicPr>
+          <p:cNvPr id="10" name="Picture 9">
+            <a:extLst>
+              <a:ext uri="{FF2B5EF4-FFF2-40B4-BE49-F238E27FC236}">
+                <a16:creationId xmlns:a16="http://schemas.microsoft.com/office/drawing/2014/main" id="{185AE27B-4E39-D692-046B-458A65E5B713}"/>
+              </a:ext>
+            </a:extLst>
+          </p:cNvPr>
+          <p:cNvPicPr>
+            <a:picLocks noChangeAspect="1"/>
+          </p:cNvPicPr>
+          <p:nvPr/>
+        </p:nvPicPr>
+        <p:blipFill>
+          <a:blip r:embed="rId3"/>
+          <a:stretch>
+            <a:fillRect/>
+          </a:stretch>
+        </p:blipFill>
+        <p:spPr>
+          <a:xfrm>
+            <a:off x="5986852" y="1347842"/>
+            <a:ext cx="2193061" cy="2953919"/>
+          </a:xfrm>
+          <a:prstGeom prst="rect">
+            <a:avLst/>
+          </a:prstGeom>
+          <a:ln>
+            <a:solidFill>
+              <a:srgbClr val="328EB5"/>
+            </a:solidFill>
+          </a:ln>
+        </p:spPr>
+      </p:pic>
+      <p:pic>
+        <p:nvPicPr>
+          <p:cNvPr id="13" name="Picture 12">
+            <a:extLst>
+              <a:ext uri="{FF2B5EF4-FFF2-40B4-BE49-F238E27FC236}">
+                <a16:creationId xmlns:a16="http://schemas.microsoft.com/office/drawing/2014/main" id="{26144870-1CC5-EEB7-3750-DF997BEDCC8C}"/>
+              </a:ext>
+            </a:extLst>
+          </p:cNvPr>
+          <p:cNvPicPr>
+            <a:picLocks noChangeAspect="1"/>
+          </p:cNvPicPr>
+          <p:nvPr/>
+        </p:nvPicPr>
+        <p:blipFill>
+          <a:blip r:embed="rId4"/>
+          <a:stretch>
+            <a:fillRect/>
+          </a:stretch>
+        </p:blipFill>
+        <p:spPr>
+          <a:xfrm>
+            <a:off x="8701630" y="1347842"/>
+            <a:ext cx="2193061" cy="2965812"/>
+          </a:xfrm>
+          <a:prstGeom prst="rect">
+            <a:avLst/>
+          </a:prstGeom>
+          <a:ln>
+            <a:solidFill>
+              <a:srgbClr val="328EB5"/>
+            </a:solidFill>
+          </a:ln>
+        </p:spPr>
+      </p:pic>
+    </p:spTree>
+    <p:extLst>
+      <p:ext uri="{BB962C8B-B14F-4D97-AF65-F5344CB8AC3E}">
+        <p14:creationId xmlns:p14="http://schemas.microsoft.com/office/powerpoint/2010/main" val="259471811"/>
+      </p:ext>
+    </p:extLst>
+  </p:cSld>
+  <p:clrMapOvr>
+    <a:masterClrMapping/>
+  </p:clrMapOvr>
+</p:sld>
+</file>
+
+<file path=ppt/slides/slide12.xml><?xml version="1.0" encoding="utf-8"?>
+<p:sld xmlns:a="http://schemas.openxmlformats.org/drawingml/2006/main" xmlns:r="http://schemas.openxmlformats.org/officeDocument/2006/relationships" xmlns:p="http://schemas.openxmlformats.org/presentationml/2006/main">
+  <p:cSld>
+    <p:spTree>
+      <p:nvGrpSpPr>
+        <p:cNvPr id="1" name=""/>
+        <p:cNvGrpSpPr/>
+        <p:nvPr/>
+      </p:nvGrpSpPr>
+      <p:grpSpPr>
+        <a:xfrm>
+          <a:off x="0" y="0"/>
+          <a:ext cx="0" cy="0"/>
+          <a:chOff x="0" y="0"/>
+          <a:chExt cx="0" cy="0"/>
+        </a:xfrm>
+      </p:grpSpPr>
+      <p:sp>
+        <p:nvSpPr>
+          <p:cNvPr id="7" name="TextBox 6">
+            <a:extLst>
+              <a:ext uri="{FF2B5EF4-FFF2-40B4-BE49-F238E27FC236}">
+                <a16:creationId xmlns:a16="http://schemas.microsoft.com/office/drawing/2014/main" id="{5D125FF5-A4BE-F7D1-48A3-B299B2BD4C00}"/>
+              </a:ext>
+            </a:extLst>
+          </p:cNvPr>
+          <p:cNvSpPr txBox="1"/>
+          <p:nvPr/>
+        </p:nvSpPr>
+        <p:spPr>
+          <a:xfrm>
+            <a:off x="781878" y="160847"/>
+            <a:ext cx="11410122" cy="658835"/>
+          </a:xfrm>
+          <a:prstGeom prst="rect">
+            <a:avLst/>
+          </a:prstGeom>
+          <a:noFill/>
+        </p:spPr>
+        <p:txBody>
+          <a:bodyPr wrap="square">
+            <a:spAutoFit/>
+          </a:bodyPr>
+          <a:lstStyle/>
+          <a:p>
+            <a:pPr>
+              <a:lnSpc>
+                <a:spcPct val="150000"/>
+              </a:lnSpc>
+            </a:pPr>
+            <a:r>
+              <a:rPr lang="en-US" altLang="zh-CN" sz="2800" dirty="0">
+                <a:solidFill>
+                  <a:schemeClr val="bg2">
+                    <a:lumMod val="25000"/>
+                  </a:schemeClr>
+                </a:solidFill>
+                <a:latin typeface="Arial" panose="020B0604020202020204" pitchFamily="34" charset="0"/>
+                <a:ea typeface="微软雅黑" panose="020B0503020204020204" pitchFamily="34" charset="-122"/>
+                <a:cs typeface="Arial" panose="020B0604020202020204" pitchFamily="34" charset="0"/>
+              </a:rPr>
+              <a:t>EDA on Train Set: EDA on encoded attributes (feature usefulness)</a:t>
+            </a:r>
+          </a:p>
+        </p:txBody>
+      </p:sp>
+      <p:sp>
+        <p:nvSpPr>
+          <p:cNvPr id="11" name="Slide Number Placeholder 10">
+            <a:extLst>
+              <a:ext uri="{FF2B5EF4-FFF2-40B4-BE49-F238E27FC236}">
+                <a16:creationId xmlns:a16="http://schemas.microsoft.com/office/drawing/2014/main" id="{E4FAC7AA-BDB7-F7C0-F177-96942C945B33}"/>
+              </a:ext>
+            </a:extLst>
+          </p:cNvPr>
+          <p:cNvSpPr>
+            <a:spLocks noGrp="1"/>
+          </p:cNvSpPr>
+          <p:nvPr>
+            <p:ph type="sldNum" sz="quarter" idx="12"/>
+          </p:nvPr>
+        </p:nvSpPr>
+        <p:spPr/>
+        <p:txBody>
+          <a:bodyPr/>
+          <a:lstStyle/>
+          <a:p>
+            <a:fld id="{CD1615FA-664A-4E3E-8664-50FDFADF9207}" type="slidenum">
+              <a:rPr lang="zh-CN" altLang="en-US" smtClean="0"/>
+              <a:t>12</a:t>
+            </a:fld>
+            <a:endParaRPr lang="zh-CN" altLang="en-US"/>
+          </a:p>
+        </p:txBody>
+      </p:sp>
+      <p:sp>
+        <p:nvSpPr>
+          <p:cNvPr id="2" name="Flowchart: Process 1">
+            <a:extLst>
+              <a:ext uri="{FF2B5EF4-FFF2-40B4-BE49-F238E27FC236}">
+                <a16:creationId xmlns:a16="http://schemas.microsoft.com/office/drawing/2014/main" id="{8105CBB4-A62C-646D-028E-C22D78DFD5E9}"/>
+              </a:ext>
+            </a:extLst>
+          </p:cNvPr>
+          <p:cNvSpPr/>
+          <p:nvPr/>
+        </p:nvSpPr>
+        <p:spPr>
+          <a:xfrm flipV="1">
+            <a:off x="0" y="1046870"/>
+            <a:ext cx="12192000" cy="9144"/>
+          </a:xfrm>
+          <a:prstGeom prst="flowChartProcess">
+            <a:avLst/>
+          </a:prstGeom>
+          <a:solidFill>
+            <a:srgbClr val="D41B2C"/>
+          </a:solidFill>
+          <a:ln>
+            <a:noFill/>
+          </a:ln>
+        </p:spPr>
+        <p:style>
+          <a:lnRef idx="2">
+            <a:schemeClr val="accent1">
+              <a:shade val="15000"/>
+            </a:schemeClr>
+          </a:lnRef>
+          <a:fillRef idx="1">
+            <a:schemeClr val="accent1"/>
+          </a:fillRef>
+          <a:effectRef idx="0">
+            <a:schemeClr val="accent1"/>
+          </a:effectRef>
+          <a:fontRef idx="minor">
+            <a:schemeClr val="lt1"/>
+          </a:fontRef>
+        </p:style>
+        <p:txBody>
+          <a:bodyPr rtlCol="0" anchor="ctr"/>
+          <a:lstStyle/>
+          <a:p>
+            <a:pPr algn="ctr"/>
+            <a:endParaRPr lang="zh-CN" altLang="en-US"/>
+          </a:p>
+        </p:txBody>
+      </p:sp>
+      <p:sp>
+        <p:nvSpPr>
+          <p:cNvPr id="8" name="TextBox 7">
+            <a:extLst>
+              <a:ext uri="{FF2B5EF4-FFF2-40B4-BE49-F238E27FC236}">
+                <a16:creationId xmlns:a16="http://schemas.microsoft.com/office/drawing/2014/main" id="{0D7ACA50-3851-0DE7-D24F-0F02392BAC92}"/>
+              </a:ext>
+            </a:extLst>
+          </p:cNvPr>
+          <p:cNvSpPr txBox="1"/>
+          <p:nvPr/>
+        </p:nvSpPr>
+        <p:spPr>
+          <a:xfrm>
+            <a:off x="1005726" y="4823202"/>
+            <a:ext cx="9969033" cy="1732910"/>
+          </a:xfrm>
+          <a:prstGeom prst="rect">
+            <a:avLst/>
+          </a:prstGeom>
+          <a:noFill/>
+        </p:spPr>
+        <p:txBody>
+          <a:bodyPr wrap="square">
+            <a:spAutoFit/>
+          </a:bodyPr>
+          <a:lstStyle>
+            <a:defPPr>
+              <a:defRPr lang="zh-CN"/>
+            </a:defPPr>
+            <a:lvl1pPr marL="285750" indent="-285750">
+              <a:lnSpc>
+                <a:spcPct val="120000"/>
+              </a:lnSpc>
+              <a:buClr>
+                <a:srgbClr val="D41B2C"/>
+              </a:buClr>
+              <a:buFont typeface="Wingdings" panose="05000000000000000000" pitchFamily="2" charset="2"/>
+              <a:buChar char="n"/>
+              <a:defRPr/>
+            </a:lvl1pPr>
+          </a:lstStyle>
+          <a:p>
+            <a:r>
+              <a:rPr lang="en-US" altLang="zh-CN" dirty="0"/>
+              <a:t>The correlation of each attribute with the target is </a:t>
+            </a:r>
+            <a:r>
+              <a:rPr lang="en-US" altLang="zh-CN" b="1" dirty="0">
+                <a:solidFill>
+                  <a:srgbClr val="D41B2C"/>
+                </a:solidFill>
+              </a:rPr>
+              <a:t>not high </a:t>
+            </a:r>
+            <a:r>
+              <a:rPr lang="en-US" altLang="zh-CN" dirty="0"/>
+              <a:t>enough. This is reasonable for a large-number attributes model.</a:t>
+            </a:r>
+          </a:p>
+          <a:p>
+            <a:r>
+              <a:rPr lang="en-US" altLang="zh-CN" dirty="0"/>
+              <a:t>The variance for all attributes is </a:t>
+            </a:r>
+            <a:r>
+              <a:rPr lang="en-US" altLang="zh-CN" b="1" dirty="0">
+                <a:solidFill>
+                  <a:srgbClr val="D41B2C"/>
+                </a:solidFill>
+              </a:rPr>
+              <a:t>quite tiny </a:t>
+            </a:r>
+            <a:r>
+              <a:rPr lang="en-US" altLang="zh-CN" dirty="0"/>
+              <a:t>with the biggest one &lt; 0.01. This may due to the highly unbalanced target variable, or the high cardinality of attributes.</a:t>
+            </a:r>
+          </a:p>
+          <a:p>
+            <a:r>
+              <a:rPr lang="en-US" altLang="zh-CN" dirty="0"/>
+              <a:t>Low-variance attributes do not represent useless as they may still carry useful information.</a:t>
+            </a:r>
+            <a:endParaRPr lang="zh-CN" altLang="en-US" dirty="0"/>
+          </a:p>
+        </p:txBody>
+      </p:sp>
+      <p:pic>
+        <p:nvPicPr>
+          <p:cNvPr id="4" name="Picture 3">
+            <a:extLst>
+              <a:ext uri="{FF2B5EF4-FFF2-40B4-BE49-F238E27FC236}">
+                <a16:creationId xmlns:a16="http://schemas.microsoft.com/office/drawing/2014/main" id="{072FD6A7-83DE-DEF9-1566-7BD0AB666F5C}"/>
+              </a:ext>
+            </a:extLst>
+          </p:cNvPr>
+          <p:cNvPicPr>
+            <a:picLocks noChangeAspect="1"/>
+          </p:cNvPicPr>
+          <p:nvPr/>
+        </p:nvPicPr>
+        <p:blipFill>
+          <a:blip r:embed="rId2"/>
+          <a:stretch>
+            <a:fillRect/>
+          </a:stretch>
+        </p:blipFill>
+        <p:spPr>
+          <a:xfrm>
+            <a:off x="1110916" y="1382528"/>
+            <a:ext cx="3822592" cy="3294828"/>
+          </a:xfrm>
+          <a:prstGeom prst="rect">
+            <a:avLst/>
+          </a:prstGeom>
+          <a:ln>
+            <a:solidFill>
+              <a:srgbClr val="328EB5"/>
+            </a:solidFill>
+          </a:ln>
+        </p:spPr>
+      </p:pic>
+      <p:pic>
+        <p:nvPicPr>
+          <p:cNvPr id="12" name="Picture 11">
+            <a:extLst>
+              <a:ext uri="{FF2B5EF4-FFF2-40B4-BE49-F238E27FC236}">
+                <a16:creationId xmlns:a16="http://schemas.microsoft.com/office/drawing/2014/main" id="{BEA40F0B-A3ED-9B1F-5706-E406A495F6D6}"/>
+              </a:ext>
+            </a:extLst>
+          </p:cNvPr>
+          <p:cNvPicPr>
+            <a:picLocks noChangeAspect="1"/>
+          </p:cNvPicPr>
+          <p:nvPr/>
+        </p:nvPicPr>
+        <p:blipFill>
+          <a:blip r:embed="rId3"/>
+          <a:stretch>
+            <a:fillRect/>
+          </a:stretch>
+        </p:blipFill>
+        <p:spPr>
+          <a:xfrm>
+            <a:off x="5340714" y="1382528"/>
+            <a:ext cx="2936462" cy="3294828"/>
+          </a:xfrm>
+          <a:prstGeom prst="rect">
+            <a:avLst/>
+          </a:prstGeom>
+          <a:ln>
+            <a:solidFill>
+              <a:srgbClr val="328EB5"/>
+            </a:solidFill>
+          </a:ln>
+        </p:spPr>
+      </p:pic>
+    </p:spTree>
+    <p:extLst>
+      <p:ext uri="{BB962C8B-B14F-4D97-AF65-F5344CB8AC3E}">
+        <p14:creationId xmlns:p14="http://schemas.microsoft.com/office/powerpoint/2010/main" val="303770659"/>
+      </p:ext>
+    </p:extLst>
+  </p:cSld>
+  <p:clrMapOvr>
+    <a:masterClrMapping/>
+  </p:clrMapOvr>
+</p:sld>
+</file>
+
+<file path=ppt/slides/slide13.xml><?xml version="1.0" encoding="utf-8"?>
+<p:sld xmlns:a="http://schemas.openxmlformats.org/drawingml/2006/main" xmlns:r="http://schemas.openxmlformats.org/officeDocument/2006/relationships" xmlns:p="http://schemas.openxmlformats.org/presentationml/2006/main">
+  <p:cSld>
+    <p:spTree>
+      <p:nvGrpSpPr>
+        <p:cNvPr id="1" name=""/>
+        <p:cNvGrpSpPr/>
+        <p:nvPr/>
+      </p:nvGrpSpPr>
+      <p:grpSpPr>
+        <a:xfrm>
+          <a:off x="0" y="0"/>
+          <a:ext cx="0" cy="0"/>
+          <a:chOff x="0" y="0"/>
+          <a:chExt cx="0" cy="0"/>
+        </a:xfrm>
+      </p:grpSpPr>
+      <p:sp>
+        <p:nvSpPr>
+          <p:cNvPr id="7" name="TextBox 6">
+            <a:extLst>
+              <a:ext uri="{FF2B5EF4-FFF2-40B4-BE49-F238E27FC236}">
+                <a16:creationId xmlns:a16="http://schemas.microsoft.com/office/drawing/2014/main" id="{5D125FF5-A4BE-F7D1-48A3-B299B2BD4C00}"/>
+              </a:ext>
+            </a:extLst>
+          </p:cNvPr>
+          <p:cNvSpPr txBox="1"/>
+          <p:nvPr/>
+        </p:nvSpPr>
+        <p:spPr>
+          <a:xfrm>
+            <a:off x="781878" y="81664"/>
+            <a:ext cx="11410122" cy="820674"/>
+          </a:xfrm>
+          <a:prstGeom prst="rect">
+            <a:avLst/>
+          </a:prstGeom>
+          <a:noFill/>
+        </p:spPr>
+        <p:txBody>
+          <a:bodyPr wrap="square">
+            <a:spAutoFit/>
+          </a:bodyPr>
+          <a:lstStyle/>
+          <a:p>
+            <a:pPr>
+              <a:lnSpc>
+                <a:spcPct val="150000"/>
+              </a:lnSpc>
+            </a:pPr>
+            <a:r>
+              <a:rPr lang="en-US" altLang="zh-CN" sz="3600" dirty="0">
+                <a:solidFill>
+                  <a:schemeClr val="bg2">
+                    <a:lumMod val="25000"/>
+                  </a:schemeClr>
+                </a:solidFill>
+                <a:latin typeface="Arial" panose="020B0604020202020204" pitchFamily="34" charset="0"/>
+                <a:ea typeface="微软雅黑" panose="020B0503020204020204" pitchFamily="34" charset="-122"/>
+                <a:cs typeface="Arial" panose="020B0604020202020204" pitchFamily="34" charset="0"/>
+              </a:rPr>
+              <a:t>Identify the promising transformations</a:t>
+            </a:r>
+          </a:p>
+        </p:txBody>
+      </p:sp>
+      <p:sp>
+        <p:nvSpPr>
+          <p:cNvPr id="11" name="Slide Number Placeholder 10">
+            <a:extLst>
+              <a:ext uri="{FF2B5EF4-FFF2-40B4-BE49-F238E27FC236}">
+                <a16:creationId xmlns:a16="http://schemas.microsoft.com/office/drawing/2014/main" id="{E4FAC7AA-BDB7-F7C0-F177-96942C945B33}"/>
+              </a:ext>
+            </a:extLst>
+          </p:cNvPr>
+          <p:cNvSpPr>
+            <a:spLocks noGrp="1"/>
+          </p:cNvSpPr>
+          <p:nvPr>
+            <p:ph type="sldNum" sz="quarter" idx="12"/>
+          </p:nvPr>
+        </p:nvSpPr>
+        <p:spPr/>
+        <p:txBody>
+          <a:bodyPr/>
+          <a:lstStyle/>
+          <a:p>
+            <a:fld id="{CD1615FA-664A-4E3E-8664-50FDFADF9207}" type="slidenum">
+              <a:rPr lang="zh-CN" altLang="en-US" smtClean="0"/>
+              <a:t>13</a:t>
+            </a:fld>
+            <a:endParaRPr lang="zh-CN" altLang="en-US"/>
+          </a:p>
+        </p:txBody>
+      </p:sp>
+      <p:sp>
+        <p:nvSpPr>
+          <p:cNvPr id="2" name="Flowchart: Process 1">
+            <a:extLst>
+              <a:ext uri="{FF2B5EF4-FFF2-40B4-BE49-F238E27FC236}">
+                <a16:creationId xmlns:a16="http://schemas.microsoft.com/office/drawing/2014/main" id="{8105CBB4-A62C-646D-028E-C22D78DFD5E9}"/>
+              </a:ext>
+            </a:extLst>
+          </p:cNvPr>
+          <p:cNvSpPr/>
+          <p:nvPr/>
+        </p:nvSpPr>
+        <p:spPr>
+          <a:xfrm flipV="1">
+            <a:off x="0" y="1046870"/>
+            <a:ext cx="12192000" cy="9144"/>
+          </a:xfrm>
+          <a:prstGeom prst="flowChartProcess">
+            <a:avLst/>
+          </a:prstGeom>
+          <a:solidFill>
+            <a:srgbClr val="D41B2C"/>
+          </a:solidFill>
+          <a:ln>
+            <a:noFill/>
+          </a:ln>
+        </p:spPr>
+        <p:style>
+          <a:lnRef idx="2">
+            <a:schemeClr val="accent1">
+              <a:shade val="15000"/>
+            </a:schemeClr>
+          </a:lnRef>
+          <a:fillRef idx="1">
+            <a:schemeClr val="accent1"/>
+          </a:fillRef>
+          <a:effectRef idx="0">
+            <a:schemeClr val="accent1"/>
+          </a:effectRef>
+          <a:fontRef idx="minor">
+            <a:schemeClr val="lt1"/>
+          </a:fontRef>
+        </p:style>
+        <p:txBody>
+          <a:bodyPr rtlCol="0" anchor="ctr"/>
+          <a:lstStyle/>
+          <a:p>
+            <a:pPr algn="ctr"/>
+            <a:endParaRPr lang="zh-CN" altLang="en-US"/>
+          </a:p>
+        </p:txBody>
+      </p:sp>
+      <p:sp>
+        <p:nvSpPr>
+          <p:cNvPr id="8" name="TextBox 7">
+            <a:extLst>
+              <a:ext uri="{FF2B5EF4-FFF2-40B4-BE49-F238E27FC236}">
+                <a16:creationId xmlns:a16="http://schemas.microsoft.com/office/drawing/2014/main" id="{0D7ACA50-3851-0DE7-D24F-0F02392BAC92}"/>
+              </a:ext>
+            </a:extLst>
+          </p:cNvPr>
+          <p:cNvSpPr txBox="1"/>
+          <p:nvPr/>
+        </p:nvSpPr>
+        <p:spPr>
+          <a:xfrm>
+            <a:off x="1111483" y="1510132"/>
+            <a:ext cx="9969033" cy="4392100"/>
+          </a:xfrm>
+          <a:prstGeom prst="rect">
+            <a:avLst/>
+          </a:prstGeom>
+          <a:noFill/>
+        </p:spPr>
+        <p:txBody>
+          <a:bodyPr wrap="square">
+            <a:spAutoFit/>
+          </a:bodyPr>
+          <a:lstStyle>
+            <a:defPPr>
+              <a:defRPr lang="zh-CN"/>
+            </a:defPPr>
+            <a:lvl1pPr marL="285750" indent="-285750">
+              <a:lnSpc>
+                <a:spcPct val="120000"/>
+              </a:lnSpc>
+              <a:buClr>
+                <a:srgbClr val="D41B2C"/>
+              </a:buClr>
+              <a:buFont typeface="Wingdings" panose="05000000000000000000" pitchFamily="2" charset="2"/>
+              <a:buChar char="n"/>
+              <a:defRPr/>
+            </a:lvl1pPr>
+          </a:lstStyle>
+          <a:p>
+            <a:r>
+              <a:rPr lang="en-US" altLang="zh-CN" dirty="0"/>
+              <a:t>Deal with duplicate observations.</a:t>
+            </a:r>
+          </a:p>
+          <a:p>
+            <a:r>
+              <a:rPr lang="en-US" altLang="zh-CN" dirty="0"/>
+              <a:t>No missingness in data set.</a:t>
+            </a:r>
+          </a:p>
+          <a:p>
+            <a:r>
+              <a:rPr lang="en-US" altLang="zh-CN" dirty="0"/>
+              <a:t>Targe encode categorical attributes.</a:t>
+            </a:r>
+          </a:p>
+          <a:p>
+            <a:r>
+              <a:rPr lang="en-US" altLang="zh-CN" dirty="0"/>
+              <a:t>Drop highly correlated attributes.</a:t>
+            </a:r>
+          </a:p>
+          <a:p>
+            <a:pPr marL="742950" lvl="1" indent="-285750">
+              <a:lnSpc>
+                <a:spcPct val="120000"/>
+              </a:lnSpc>
+              <a:buClr>
+                <a:srgbClr val="D41B2C"/>
+              </a:buClr>
+              <a:buFont typeface="Arial" panose="020B0604020202020204" pitchFamily="34" charset="0"/>
+              <a:buChar char="•"/>
+            </a:pPr>
+            <a:r>
+              <a:rPr lang="en-US" altLang="zh-CN" b="1" i="1" dirty="0" err="1"/>
+              <a:t>app_score</a:t>
+            </a:r>
+            <a:r>
+              <a:rPr lang="en-US" altLang="zh-CN" dirty="0"/>
+              <a:t>. A very high VIF, very high correlations, and a high outlier fraction.</a:t>
+            </a:r>
+          </a:p>
+          <a:p>
+            <a:pPr marL="742950" lvl="1" indent="-285750">
+              <a:lnSpc>
+                <a:spcPct val="120000"/>
+              </a:lnSpc>
+              <a:buClr>
+                <a:srgbClr val="D41B2C"/>
+              </a:buClr>
+              <a:buFont typeface="Arial" panose="020B0604020202020204" pitchFamily="34" charset="0"/>
+              <a:buChar char="•"/>
+            </a:pPr>
+            <a:r>
+              <a:rPr lang="en-US" altLang="zh-CN" b="1" i="1" dirty="0" err="1"/>
+              <a:t>his_on_shelf_time</a:t>
+            </a:r>
+            <a:r>
+              <a:rPr lang="en-US" altLang="zh-CN" dirty="0"/>
+              <a:t>. A very high VIF, very high correlations, and a high outlier fraction.</a:t>
+            </a:r>
+          </a:p>
+          <a:p>
+            <a:pPr marL="742950" lvl="1" indent="-285750">
+              <a:lnSpc>
+                <a:spcPct val="120000"/>
+              </a:lnSpc>
+              <a:buClr>
+                <a:srgbClr val="D41B2C"/>
+              </a:buClr>
+              <a:buFont typeface="Arial" panose="020B0604020202020204" pitchFamily="34" charset="0"/>
+              <a:buChar char="•"/>
+            </a:pPr>
+            <a:r>
+              <a:rPr lang="en-US" altLang="zh-CN" b="1" i="1" dirty="0" err="1"/>
+              <a:t>task_id</a:t>
+            </a:r>
+            <a:r>
+              <a:rPr lang="en-US" altLang="zh-CN" dirty="0"/>
+              <a:t>. A very high VIF and a very high correlation.</a:t>
+            </a:r>
+          </a:p>
+          <a:p>
+            <a:pPr marL="742950" lvl="1" indent="-285750">
+              <a:lnSpc>
+                <a:spcPct val="120000"/>
+              </a:lnSpc>
+              <a:buClr>
+                <a:srgbClr val="D41B2C"/>
+              </a:buClr>
+              <a:buFont typeface="Arial" panose="020B0604020202020204" pitchFamily="34" charset="0"/>
+              <a:buChar char="•"/>
+            </a:pPr>
+            <a:r>
+              <a:rPr lang="en-US" altLang="zh-CN" b="1" i="1" dirty="0" err="1"/>
+              <a:t>spread_app_id</a:t>
+            </a:r>
+            <a:r>
+              <a:rPr lang="en-US" altLang="zh-CN" dirty="0"/>
+              <a:t>. A high VIF and very high correlations.</a:t>
+            </a:r>
+          </a:p>
+          <a:p>
+            <a:pPr marL="742950" lvl="1" indent="-285750">
+              <a:lnSpc>
+                <a:spcPct val="120000"/>
+              </a:lnSpc>
+              <a:buClr>
+                <a:srgbClr val="D41B2C"/>
+              </a:buClr>
+              <a:buFont typeface="Arial" panose="020B0604020202020204" pitchFamily="34" charset="0"/>
+              <a:buChar char="•"/>
+            </a:pPr>
+            <a:r>
+              <a:rPr lang="en-US" altLang="zh-CN" b="1" i="1" dirty="0"/>
+              <a:t>tags</a:t>
+            </a:r>
+            <a:r>
+              <a:rPr lang="en-US" altLang="zh-CN" dirty="0"/>
+              <a:t>. A high VIF and very high correlations.</a:t>
+            </a:r>
+          </a:p>
+          <a:p>
+            <a:pPr marL="742950" lvl="1" indent="-285750">
+              <a:lnSpc>
+                <a:spcPct val="120000"/>
+              </a:lnSpc>
+              <a:buClr>
+                <a:srgbClr val="D41B2C"/>
+              </a:buClr>
+              <a:buFont typeface="Arial" panose="020B0604020202020204" pitchFamily="34" charset="0"/>
+              <a:buChar char="•"/>
+            </a:pPr>
+            <a:r>
+              <a:rPr lang="en-US" altLang="zh-CN" b="1" i="1" dirty="0" err="1"/>
+              <a:t>dev_id</a:t>
+            </a:r>
+            <a:r>
+              <a:rPr lang="en-US" altLang="zh-CN" dirty="0"/>
+              <a:t>. A high VIF and very high correlations.</a:t>
+            </a:r>
+          </a:p>
+          <a:p>
+            <a:pPr marL="742950" lvl="1" indent="-285750">
+              <a:lnSpc>
+                <a:spcPct val="120000"/>
+              </a:lnSpc>
+              <a:buClr>
+                <a:srgbClr val="D41B2C"/>
+              </a:buClr>
+              <a:buFont typeface="Arial" panose="020B0604020202020204" pitchFamily="34" charset="0"/>
+              <a:buChar char="•"/>
+            </a:pPr>
+            <a:r>
+              <a:rPr lang="en-US" altLang="zh-CN" b="1" i="1" dirty="0" err="1"/>
+              <a:t>app_second_class</a:t>
+            </a:r>
+            <a:r>
+              <a:rPr lang="en-US" altLang="zh-CN" dirty="0"/>
+              <a:t>. A high VIF and very high correlations.</a:t>
+            </a:r>
+          </a:p>
+          <a:p>
+            <a:pPr marL="742950" lvl="1" indent="-285750">
+              <a:lnSpc>
+                <a:spcPct val="120000"/>
+              </a:lnSpc>
+              <a:buClr>
+                <a:srgbClr val="D41B2C"/>
+              </a:buClr>
+              <a:buFont typeface="Arial" panose="020B0604020202020204" pitchFamily="34" charset="0"/>
+              <a:buChar char="•"/>
+            </a:pPr>
+            <a:r>
+              <a:rPr lang="en-US" altLang="zh-CN" b="1" i="1" dirty="0" err="1"/>
+              <a:t>adv_prim_id</a:t>
+            </a:r>
+            <a:r>
+              <a:rPr lang="en-US" altLang="zh-CN" dirty="0"/>
+              <a:t>. A high VIF and very high correlations.</a:t>
+            </a:r>
+          </a:p>
+          <a:p>
+            <a:pPr marL="742950" lvl="1" indent="-285750">
+              <a:lnSpc>
+                <a:spcPct val="120000"/>
+              </a:lnSpc>
+              <a:buClr>
+                <a:srgbClr val="D41B2C"/>
+              </a:buClr>
+              <a:buFont typeface="Arial" panose="020B0604020202020204" pitchFamily="34" charset="0"/>
+              <a:buChar char="•"/>
+            </a:pPr>
+            <a:r>
+              <a:rPr lang="en-US" altLang="zh-CN" b="1" i="1" dirty="0" err="1"/>
+              <a:t>device_price</a:t>
+            </a:r>
+            <a:r>
+              <a:rPr lang="en-US" altLang="zh-CN" dirty="0"/>
+              <a:t>. A high VIF and very high correlations.</a:t>
+            </a:r>
+          </a:p>
+        </p:txBody>
+      </p:sp>
+      <p:pic>
+        <p:nvPicPr>
+          <p:cNvPr id="5" name="Picture 4">
+            <a:extLst>
+              <a:ext uri="{FF2B5EF4-FFF2-40B4-BE49-F238E27FC236}">
+                <a16:creationId xmlns:a16="http://schemas.microsoft.com/office/drawing/2014/main" id="{FD6F9387-348A-0277-8CF8-8B30296F0C02}"/>
+              </a:ext>
+            </a:extLst>
+          </p:cNvPr>
+          <p:cNvPicPr>
+            <a:picLocks noChangeAspect="1"/>
+          </p:cNvPicPr>
+          <p:nvPr/>
+        </p:nvPicPr>
+        <p:blipFill>
+          <a:blip r:embed="rId2"/>
+          <a:stretch>
+            <a:fillRect/>
+          </a:stretch>
+        </p:blipFill>
+        <p:spPr>
+          <a:xfrm>
+            <a:off x="9109030" y="3810777"/>
+            <a:ext cx="1746340" cy="2000353"/>
+          </a:xfrm>
+          <a:prstGeom prst="rect">
+            <a:avLst/>
+          </a:prstGeom>
+          <a:ln>
+            <a:solidFill>
+              <a:srgbClr val="328EB5"/>
+            </a:solidFill>
+          </a:ln>
+        </p:spPr>
+      </p:pic>
+    </p:spTree>
+    <p:extLst>
+      <p:ext uri="{BB962C8B-B14F-4D97-AF65-F5344CB8AC3E}">
+        <p14:creationId xmlns:p14="http://schemas.microsoft.com/office/powerpoint/2010/main" val="2321970466"/>
+      </p:ext>
+    </p:extLst>
+  </p:cSld>
+  <p:clrMapOvr>
+    <a:masterClrMapping/>
+  </p:clrMapOvr>
+</p:sld>
+</file>
+
 <file path=ppt/slides/slide2.xml><?xml version="1.0" encoding="utf-8"?>
 <p:sld xmlns:a="http://schemas.openxmlformats.org/drawingml/2006/main" xmlns:r="http://schemas.openxmlformats.org/officeDocument/2006/relationships" xmlns:p="http://schemas.openxmlformats.org/presentationml/2006/main">
   <p:cSld>
@@ -4268,7 +5784,7 @@
                 <a:ea typeface="微软雅黑" panose="020B0503020204020204" pitchFamily="34" charset="-122"/>
                 <a:cs typeface="Arial" panose="020B0604020202020204" pitchFamily="34" charset="0"/>
               </a:rPr>
-              <a:t>Updates on the source dataset</a:t>
+              <a:t>Reproducibility</a:t>
             </a:r>
           </a:p>
         </p:txBody>
@@ -4356,10 +5872,10 @@
       </p:sp>
       <p:sp>
         <p:nvSpPr>
-          <p:cNvPr id="8" name="TextBox 7">
-            <a:extLst>
-              <a:ext uri="{FF2B5EF4-FFF2-40B4-BE49-F238E27FC236}">
-                <a16:creationId xmlns:a16="http://schemas.microsoft.com/office/drawing/2014/main" id="{A79A2E26-7DF5-3999-3DCD-B04988DE375C}"/>
+          <p:cNvPr id="10" name="TextBox 9">
+            <a:extLst>
+              <a:ext uri="{FF2B5EF4-FFF2-40B4-BE49-F238E27FC236}">
+                <a16:creationId xmlns:a16="http://schemas.microsoft.com/office/drawing/2014/main" id="{BA7634E1-04B5-D56A-52BF-A5F0C72EABD7}"/>
               </a:ext>
             </a:extLst>
           </p:cNvPr>
@@ -4368,8 +5884,8 @@
         </p:nvSpPr>
         <p:spPr>
           <a:xfrm>
-            <a:off x="1219198" y="1652675"/>
-            <a:ext cx="8288593" cy="1068113"/>
+            <a:off x="1219198" y="2570005"/>
+            <a:ext cx="8288594" cy="403316"/>
           </a:xfrm>
           <a:prstGeom prst="rect">
             <a:avLst/>
@@ -4394,41 +5910,25 @@
             </a:pPr>
             <a:r>
               <a:rPr lang="en-US" altLang="zh-CN" dirty="0"/>
-              <a:t>As the original dataset contains over </a:t>
-            </a:r>
-            <a:r>
-              <a:rPr lang="en-US" altLang="zh-CN" b="1" dirty="0"/>
-              <a:t>40 million </a:t>
+              <a:t>Run </a:t>
+            </a:r>
+            <a:r>
+              <a:rPr lang="en-US" altLang="zh-CN" b="1" i="1" dirty="0" err="1"/>
+              <a:t>download_data.ipynb</a:t>
             </a:r>
             <a:r>
               <a:rPr lang="en-US" altLang="zh-CN" dirty="0"/>
-              <a:t>observations, it could be expensive to run a </a:t>
-            </a:r>
-            <a:r>
-              <a:rPr lang="en-US" altLang="zh-CN" b="1" dirty="0" err="1"/>
-              <a:t>GridSearch</a:t>
-            </a:r>
-            <a:r>
-              <a:rPr lang="en-US" altLang="zh-CN" dirty="0"/>
-              <a:t> or complex modeling (e.g. </a:t>
-            </a:r>
-            <a:r>
-              <a:rPr lang="en-US" altLang="zh-CN" b="1" dirty="0"/>
-              <a:t>Random Forest</a:t>
-            </a:r>
-            <a:r>
-              <a:rPr lang="en-US" altLang="zh-CN" dirty="0"/>
-              <a:t>) in the afterward modeling phase.</a:t>
-            </a:r>
-          </a:p>
-        </p:txBody>
-      </p:sp>
-      <p:sp>
-        <p:nvSpPr>
-          <p:cNvPr id="10" name="TextBox 9">
-            <a:extLst>
-              <a:ext uri="{FF2B5EF4-FFF2-40B4-BE49-F238E27FC236}">
-                <a16:creationId xmlns:a16="http://schemas.microsoft.com/office/drawing/2014/main" id="{BA7634E1-04B5-D56A-52BF-A5F0C72EABD7}"/>
+              <a:t> to download resampled dataset. </a:t>
+            </a:r>
+          </a:p>
+        </p:txBody>
+      </p:sp>
+      <p:sp>
+        <p:nvSpPr>
+          <p:cNvPr id="13" name="TextBox 12">
+            <a:extLst>
+              <a:ext uri="{FF2B5EF4-FFF2-40B4-BE49-F238E27FC236}">
+                <a16:creationId xmlns:a16="http://schemas.microsoft.com/office/drawing/2014/main" id="{D3A62CDC-F8A4-C823-7858-A488F7AD6D63}"/>
               </a:ext>
             </a:extLst>
           </p:cNvPr>
@@ -4437,8 +5937,8 @@
         </p:nvSpPr>
         <p:spPr>
           <a:xfrm>
-            <a:off x="1219198" y="2833823"/>
-            <a:ext cx="8288594" cy="735714"/>
+            <a:off x="1219197" y="3154937"/>
+            <a:ext cx="8288594" cy="403316"/>
           </a:xfrm>
           <a:prstGeom prst="rect">
             <a:avLst/>
@@ -4463,33 +5963,25 @@
             </a:pPr>
             <a:r>
               <a:rPr lang="en-US" altLang="zh-CN" dirty="0"/>
-              <a:t>After communicating with the professor, we would only randomly resample </a:t>
-            </a:r>
-            <a:r>
-              <a:rPr lang="en-US" altLang="zh-CN" b="1" dirty="0"/>
-              <a:t>2.5%</a:t>
+              <a:t>Run </a:t>
+            </a:r>
+            <a:r>
+              <a:rPr lang="en-US" altLang="zh-CN" b="1" i="1" dirty="0" err="1"/>
+              <a:t>train_test_split.ipynb</a:t>
             </a:r>
             <a:r>
               <a:rPr lang="en-US" altLang="zh-CN" dirty="0"/>
-              <a:t> of all observations (around </a:t>
-            </a:r>
-            <a:r>
-              <a:rPr lang="en-US" altLang="zh-CN" b="1" dirty="0"/>
-              <a:t>1 million</a:t>
-            </a:r>
-            <a:r>
-              <a:rPr lang="en-US" altLang="zh-CN" dirty="0"/>
-              <a:t>) from the original set for our project.</a:t>
-            </a:r>
-          </a:p>
-        </p:txBody>
-      </p:sp>
-      <p:sp>
-        <p:nvSpPr>
-          <p:cNvPr id="13" name="TextBox 12">
-            <a:extLst>
-              <a:ext uri="{FF2B5EF4-FFF2-40B4-BE49-F238E27FC236}">
-                <a16:creationId xmlns:a16="http://schemas.microsoft.com/office/drawing/2014/main" id="{D3A62CDC-F8A4-C823-7858-A488F7AD6D63}"/>
+              <a:t> to implement train and test set split.</a:t>
+            </a:r>
+          </a:p>
+        </p:txBody>
+      </p:sp>
+      <p:sp>
+        <p:nvSpPr>
+          <p:cNvPr id="3" name="TextBox 2">
+            <a:extLst>
+              <a:ext uri="{FF2B5EF4-FFF2-40B4-BE49-F238E27FC236}">
+                <a16:creationId xmlns:a16="http://schemas.microsoft.com/office/drawing/2014/main" id="{F6B3B542-3963-B989-C390-0A147C5CDD86}"/>
               </a:ext>
             </a:extLst>
           </p:cNvPr>
@@ -4498,8 +5990,8 @@
         </p:nvSpPr>
         <p:spPr>
           <a:xfrm>
-            <a:off x="1219197" y="3682572"/>
-            <a:ext cx="8288594" cy="1068113"/>
+            <a:off x="1219197" y="4324800"/>
+            <a:ext cx="8288594" cy="403316"/>
           </a:xfrm>
           <a:prstGeom prst="rect">
             <a:avLst/>
@@ -4524,46 +6016,25 @@
             </a:pPr>
             <a:r>
               <a:rPr lang="en-US" altLang="zh-CN" dirty="0"/>
-              <a:t>Also, we have uploaded the resampled dataset on our </a:t>
-            </a:r>
-            <a:r>
-              <a:rPr lang="en-US" altLang="zh-CN" b="1" dirty="0"/>
-              <a:t>AWS S3</a:t>
+              <a:t>Run </a:t>
+            </a:r>
+            <a:r>
+              <a:rPr lang="en-US" altLang="zh-CN" b="1" i="1" dirty="0" err="1"/>
+              <a:t>prep.ipynb</a:t>
             </a:r>
             <a:r>
               <a:rPr lang="en-US" altLang="zh-CN" dirty="0"/>
-              <a:t>, which can be downloaded through </a:t>
-            </a:r>
-            <a:r>
-              <a:rPr lang="en-US" altLang="zh-CN" b="1" i="1" dirty="0" err="1"/>
-              <a:t>download_data.ipynb</a:t>
-            </a:r>
-            <a:r>
-              <a:rPr lang="en-US" altLang="zh-CN" b="1" dirty="0"/>
-              <a:t>, </a:t>
-            </a:r>
-            <a:r>
-              <a:rPr lang="en-US" altLang="zh-CN" dirty="0"/>
-              <a:t>and split into train and test set through </a:t>
-            </a:r>
-            <a:r>
-              <a:rPr lang="en-US" altLang="zh-CN" b="1" i="1" dirty="0" err="1"/>
-              <a:t>train_test_split.ipynb</a:t>
-            </a:r>
-            <a:r>
-              <a:rPr lang="en-US" altLang="zh-CN" b="1" dirty="0"/>
-              <a:t>.</a:t>
-            </a:r>
-            <a:endParaRPr lang="en-US" altLang="zh-CN" dirty="0"/>
-          </a:p>
-        </p:txBody>
-      </p:sp>
-      <p:sp>
-        <p:nvSpPr>
-          <p:cNvPr id="3" name="TextBox 2">
-            <a:extLst>
-              <a:ext uri="{FF2B5EF4-FFF2-40B4-BE49-F238E27FC236}">
-                <a16:creationId xmlns:a16="http://schemas.microsoft.com/office/drawing/2014/main" id="{F6B3B542-3963-B989-C390-0A147C5CDD86}"/>
+              <a:t> to try data transformation and EDA on the transformed dataset.</a:t>
+            </a:r>
+          </a:p>
+        </p:txBody>
+      </p:sp>
+      <p:sp>
+        <p:nvSpPr>
+          <p:cNvPr id="4" name="TextBox 3">
+            <a:extLst>
+              <a:ext uri="{FF2B5EF4-FFF2-40B4-BE49-F238E27FC236}">
+                <a16:creationId xmlns:a16="http://schemas.microsoft.com/office/drawing/2014/main" id="{9D18040C-32C7-18B1-9503-7077020AE38B}"/>
               </a:ext>
             </a:extLst>
           </p:cNvPr>
@@ -4572,7 +6043,7 @@
         </p:nvSpPr>
         <p:spPr>
           <a:xfrm>
-            <a:off x="1219197" y="4863720"/>
+            <a:off x="1219197" y="1652675"/>
             <a:ext cx="8288594" cy="735714"/>
           </a:xfrm>
           <a:prstGeom prst="rect">
@@ -4598,15 +6069,129 @@
             </a:pPr>
             <a:r>
               <a:rPr lang="en-US" altLang="zh-CN" dirty="0"/>
-              <a:t>We use GitHub for version control and collaborative development. Our repository: </a:t>
-            </a:r>
-            <a:r>
-              <a:rPr lang="en-US" altLang="zh-CN" dirty="0">
-                <a:hlinkClick r:id="rId2"/>
-              </a:rPr>
-              <a:t>https://github.com/LiyangSong/Advertisement-CTR-Prediction</a:t>
-            </a:r>
-            <a:endParaRPr lang="en-US" altLang="zh-CN" dirty="0"/>
+              <a:t>Submitted files include Python module files (</a:t>
+            </a:r>
+            <a:r>
+              <a:rPr lang="en-US" altLang="zh-CN" b="1" dirty="0"/>
+              <a:t>.</a:t>
+            </a:r>
+            <a:r>
+              <a:rPr lang="en-US" altLang="zh-CN" b="1" dirty="0" err="1"/>
+              <a:t>py</a:t>
+            </a:r>
+            <a:r>
+              <a:rPr lang="en-US" altLang="zh-CN" b="1" dirty="0"/>
+              <a:t> </a:t>
+            </a:r>
+            <a:r>
+              <a:rPr lang="en-US" altLang="zh-CN" dirty="0"/>
+              <a:t>), </a:t>
+            </a:r>
+            <a:r>
+              <a:rPr lang="en-US" altLang="zh-CN" dirty="0" err="1"/>
+              <a:t>Jupyter</a:t>
+            </a:r>
+            <a:r>
+              <a:rPr lang="en-US" altLang="zh-CN" dirty="0"/>
+              <a:t> Notebooks (</a:t>
+            </a:r>
+            <a:r>
+              <a:rPr lang="en-US" altLang="zh-CN" b="1" dirty="0"/>
+              <a:t>.</a:t>
+            </a:r>
+            <a:r>
+              <a:rPr lang="en-US" altLang="zh-CN" b="1" dirty="0" err="1"/>
+              <a:t>jpynb</a:t>
+            </a:r>
+            <a:r>
+              <a:rPr lang="en-US" altLang="zh-CN" b="1" dirty="0"/>
+              <a:t> </a:t>
+            </a:r>
+            <a:r>
+              <a:rPr lang="en-US" altLang="zh-CN" dirty="0"/>
+              <a:t>and </a:t>
+            </a:r>
+            <a:r>
+              <a:rPr lang="en-US" altLang="zh-CN" b="1" dirty="0"/>
+              <a:t>.html</a:t>
+            </a:r>
+            <a:r>
+              <a:rPr lang="en-US" altLang="zh-CN" dirty="0"/>
+              <a:t>), an environment file (</a:t>
+            </a:r>
+            <a:r>
+              <a:rPr lang="en-US" altLang="zh-CN" b="1" dirty="0"/>
+              <a:t>.</a:t>
+            </a:r>
+            <a:r>
+              <a:rPr lang="en-US" altLang="zh-CN" b="1" dirty="0" err="1"/>
+              <a:t>yml</a:t>
+            </a:r>
+            <a:r>
+              <a:rPr lang="en-US" altLang="zh-CN" dirty="0"/>
+              <a:t>), and PowerPoints (</a:t>
+            </a:r>
+            <a:r>
+              <a:rPr lang="en-US" altLang="zh-CN" b="1" dirty="0"/>
+              <a:t>.pdf</a:t>
+            </a:r>
+            <a:r>
+              <a:rPr lang="en-US" altLang="zh-CN" dirty="0"/>
+              <a:t>).</a:t>
+            </a:r>
+          </a:p>
+        </p:txBody>
+      </p:sp>
+      <p:sp>
+        <p:nvSpPr>
+          <p:cNvPr id="5" name="TextBox 4">
+            <a:extLst>
+              <a:ext uri="{FF2B5EF4-FFF2-40B4-BE49-F238E27FC236}">
+                <a16:creationId xmlns:a16="http://schemas.microsoft.com/office/drawing/2014/main" id="{C66DF833-2514-A1BC-1AF9-36A10C797C17}"/>
+              </a:ext>
+            </a:extLst>
+          </p:cNvPr>
+          <p:cNvSpPr txBox="1"/>
+          <p:nvPr/>
+        </p:nvSpPr>
+        <p:spPr>
+          <a:xfrm>
+            <a:off x="1219197" y="3739869"/>
+            <a:ext cx="8288594" cy="403316"/>
+          </a:xfrm>
+          <a:prstGeom prst="rect">
+            <a:avLst/>
+          </a:prstGeom>
+          <a:noFill/>
+        </p:spPr>
+        <p:txBody>
+          <a:bodyPr wrap="square">
+            <a:spAutoFit/>
+          </a:bodyPr>
+          <a:lstStyle/>
+          <a:p>
+            <a:pPr marL="285750" indent="-285750">
+              <a:lnSpc>
+                <a:spcPct val="120000"/>
+              </a:lnSpc>
+              <a:buClr>
+                <a:srgbClr val="D41B2C"/>
+              </a:buClr>
+              <a:buFont typeface="Wingdings" panose="05000000000000000000" pitchFamily="2" charset="2"/>
+              <a:buChar char="n"/>
+            </a:pPr>
+            <a:r>
+              <a:rPr lang="en-US" altLang="zh-CN" dirty="0"/>
+              <a:t>Run </a:t>
+            </a:r>
+            <a:r>
+              <a:rPr lang="en-US" altLang="zh-CN" b="1" i="1" dirty="0" err="1"/>
+              <a:t>eda.ipynb</a:t>
+            </a:r>
+            <a:r>
+              <a:rPr lang="en-US" altLang="zh-CN" dirty="0"/>
+              <a:t> to implement exploratory data analysis (EDA).</a:t>
+            </a:r>
           </a:p>
         </p:txBody>
       </p:sp>
@@ -4614,6 +6199,2041 @@
     <p:extLst>
       <p:ext uri="{BB962C8B-B14F-4D97-AF65-F5344CB8AC3E}">
         <p14:creationId xmlns:p14="http://schemas.microsoft.com/office/powerpoint/2010/main" val="1063266364"/>
+      </p:ext>
+    </p:extLst>
+  </p:cSld>
+  <p:clrMapOvr>
+    <a:masterClrMapping/>
+  </p:clrMapOvr>
+</p:sld>
+</file>
+
+<file path=ppt/slides/slide4.xml><?xml version="1.0" encoding="utf-8"?>
+<p:sld xmlns:a="http://schemas.openxmlformats.org/drawingml/2006/main" xmlns:r="http://schemas.openxmlformats.org/officeDocument/2006/relationships" xmlns:p="http://schemas.openxmlformats.org/presentationml/2006/main">
+  <p:cSld>
+    <p:spTree>
+      <p:nvGrpSpPr>
+        <p:cNvPr id="1" name=""/>
+        <p:cNvGrpSpPr/>
+        <p:nvPr/>
+      </p:nvGrpSpPr>
+      <p:grpSpPr>
+        <a:xfrm>
+          <a:off x="0" y="0"/>
+          <a:ext cx="0" cy="0"/>
+          <a:chOff x="0" y="0"/>
+          <a:chExt cx="0" cy="0"/>
+        </a:xfrm>
+      </p:grpSpPr>
+      <p:sp>
+        <p:nvSpPr>
+          <p:cNvPr id="7" name="TextBox 6">
+            <a:extLst>
+              <a:ext uri="{FF2B5EF4-FFF2-40B4-BE49-F238E27FC236}">
+                <a16:creationId xmlns:a16="http://schemas.microsoft.com/office/drawing/2014/main" id="{5D125FF5-A4BE-F7D1-48A3-B299B2BD4C00}"/>
+              </a:ext>
+            </a:extLst>
+          </p:cNvPr>
+          <p:cNvSpPr txBox="1"/>
+          <p:nvPr/>
+        </p:nvSpPr>
+        <p:spPr>
+          <a:xfrm>
+            <a:off x="781878" y="98695"/>
+            <a:ext cx="9660835" cy="820674"/>
+          </a:xfrm>
+          <a:prstGeom prst="rect">
+            <a:avLst/>
+          </a:prstGeom>
+          <a:noFill/>
+        </p:spPr>
+        <p:txBody>
+          <a:bodyPr wrap="square">
+            <a:spAutoFit/>
+          </a:bodyPr>
+          <a:lstStyle/>
+          <a:p>
+            <a:pPr>
+              <a:lnSpc>
+                <a:spcPct val="150000"/>
+              </a:lnSpc>
+            </a:pPr>
+            <a:r>
+              <a:rPr lang="en-US" altLang="zh-CN" sz="3600" dirty="0">
+                <a:solidFill>
+                  <a:schemeClr val="bg2">
+                    <a:lumMod val="25000"/>
+                  </a:schemeClr>
+                </a:solidFill>
+                <a:latin typeface="Arial" panose="020B0604020202020204" pitchFamily="34" charset="0"/>
+                <a:ea typeface="微软雅黑" panose="020B0503020204020204" pitchFamily="34" charset="-122"/>
+                <a:cs typeface="Arial" panose="020B0604020202020204" pitchFamily="34" charset="0"/>
+              </a:rPr>
+              <a:t>EDA on Train Set: General information</a:t>
+            </a:r>
+          </a:p>
+        </p:txBody>
+      </p:sp>
+      <p:sp>
+        <p:nvSpPr>
+          <p:cNvPr id="11" name="Slide Number Placeholder 10">
+            <a:extLst>
+              <a:ext uri="{FF2B5EF4-FFF2-40B4-BE49-F238E27FC236}">
+                <a16:creationId xmlns:a16="http://schemas.microsoft.com/office/drawing/2014/main" id="{E4FAC7AA-BDB7-F7C0-F177-96942C945B33}"/>
+              </a:ext>
+            </a:extLst>
+          </p:cNvPr>
+          <p:cNvSpPr>
+            <a:spLocks noGrp="1"/>
+          </p:cNvSpPr>
+          <p:nvPr>
+            <p:ph type="sldNum" sz="quarter" idx="12"/>
+          </p:nvPr>
+        </p:nvSpPr>
+        <p:spPr/>
+        <p:txBody>
+          <a:bodyPr/>
+          <a:lstStyle/>
+          <a:p>
+            <a:fld id="{CD1615FA-664A-4E3E-8664-50FDFADF9207}" type="slidenum">
+              <a:rPr lang="zh-CN" altLang="en-US" smtClean="0"/>
+              <a:t>4</a:t>
+            </a:fld>
+            <a:endParaRPr lang="zh-CN" altLang="en-US"/>
+          </a:p>
+        </p:txBody>
+      </p:sp>
+      <p:sp>
+        <p:nvSpPr>
+          <p:cNvPr id="2" name="Flowchart: Process 1">
+            <a:extLst>
+              <a:ext uri="{FF2B5EF4-FFF2-40B4-BE49-F238E27FC236}">
+                <a16:creationId xmlns:a16="http://schemas.microsoft.com/office/drawing/2014/main" id="{8105CBB4-A62C-646D-028E-C22D78DFD5E9}"/>
+              </a:ext>
+            </a:extLst>
+          </p:cNvPr>
+          <p:cNvSpPr/>
+          <p:nvPr/>
+        </p:nvSpPr>
+        <p:spPr>
+          <a:xfrm flipV="1">
+            <a:off x="0" y="1046870"/>
+            <a:ext cx="12192000" cy="9144"/>
+          </a:xfrm>
+          <a:prstGeom prst="flowChartProcess">
+            <a:avLst/>
+          </a:prstGeom>
+          <a:solidFill>
+            <a:srgbClr val="D41B2C"/>
+          </a:solidFill>
+          <a:ln>
+            <a:noFill/>
+          </a:ln>
+        </p:spPr>
+        <p:style>
+          <a:lnRef idx="2">
+            <a:schemeClr val="accent1">
+              <a:shade val="15000"/>
+            </a:schemeClr>
+          </a:lnRef>
+          <a:fillRef idx="1">
+            <a:schemeClr val="accent1"/>
+          </a:fillRef>
+          <a:effectRef idx="0">
+            <a:schemeClr val="accent1"/>
+          </a:effectRef>
+          <a:fontRef idx="minor">
+            <a:schemeClr val="lt1"/>
+          </a:fontRef>
+        </p:style>
+        <p:txBody>
+          <a:bodyPr rtlCol="0" anchor="ctr"/>
+          <a:lstStyle/>
+          <a:p>
+            <a:pPr algn="ctr"/>
+            <a:endParaRPr lang="zh-CN" altLang="en-US"/>
+          </a:p>
+        </p:txBody>
+      </p:sp>
+      <p:pic>
+        <p:nvPicPr>
+          <p:cNvPr id="8" name="Picture 7">
+            <a:extLst>
+              <a:ext uri="{FF2B5EF4-FFF2-40B4-BE49-F238E27FC236}">
+                <a16:creationId xmlns:a16="http://schemas.microsoft.com/office/drawing/2014/main" id="{26739820-BDD8-7B9C-EB52-421B639C3773}"/>
+              </a:ext>
+            </a:extLst>
+          </p:cNvPr>
+          <p:cNvPicPr>
+            <a:picLocks noChangeAspect="1"/>
+          </p:cNvPicPr>
+          <p:nvPr/>
+        </p:nvPicPr>
+        <p:blipFill>
+          <a:blip r:embed="rId2"/>
+          <a:stretch>
+            <a:fillRect/>
+          </a:stretch>
+        </p:blipFill>
+        <p:spPr>
+          <a:xfrm>
+            <a:off x="6705913" y="4017688"/>
+            <a:ext cx="1148302" cy="424524"/>
+          </a:xfrm>
+          <a:prstGeom prst="rect">
+            <a:avLst/>
+          </a:prstGeom>
+          <a:ln>
+            <a:solidFill>
+              <a:srgbClr val="328EB5"/>
+            </a:solidFill>
+          </a:ln>
+        </p:spPr>
+      </p:pic>
+      <p:pic>
+        <p:nvPicPr>
+          <p:cNvPr id="12" name="Picture 11">
+            <a:extLst>
+              <a:ext uri="{FF2B5EF4-FFF2-40B4-BE49-F238E27FC236}">
+                <a16:creationId xmlns:a16="http://schemas.microsoft.com/office/drawing/2014/main" id="{17A70679-26D8-4246-C8CA-A8EEA53435D9}"/>
+              </a:ext>
+            </a:extLst>
+          </p:cNvPr>
+          <p:cNvPicPr>
+            <a:picLocks noChangeAspect="1"/>
+          </p:cNvPicPr>
+          <p:nvPr/>
+        </p:nvPicPr>
+        <p:blipFill>
+          <a:blip r:embed="rId3"/>
+          <a:stretch>
+            <a:fillRect/>
+          </a:stretch>
+        </p:blipFill>
+        <p:spPr>
+          <a:xfrm>
+            <a:off x="859310" y="1840134"/>
+            <a:ext cx="5236690" cy="1424656"/>
+          </a:xfrm>
+          <a:prstGeom prst="rect">
+            <a:avLst/>
+          </a:prstGeom>
+          <a:ln>
+            <a:solidFill>
+              <a:srgbClr val="328EB5"/>
+            </a:solidFill>
+          </a:ln>
+        </p:spPr>
+      </p:pic>
+      <p:pic>
+        <p:nvPicPr>
+          <p:cNvPr id="15" name="Picture 14">
+            <a:extLst>
+              <a:ext uri="{FF2B5EF4-FFF2-40B4-BE49-F238E27FC236}">
+                <a16:creationId xmlns:a16="http://schemas.microsoft.com/office/drawing/2014/main" id="{13C0938B-7316-89FB-8561-32E815D89C65}"/>
+              </a:ext>
+            </a:extLst>
+          </p:cNvPr>
+          <p:cNvPicPr>
+            <a:picLocks noChangeAspect="1"/>
+          </p:cNvPicPr>
+          <p:nvPr/>
+        </p:nvPicPr>
+        <p:blipFill>
+          <a:blip r:embed="rId4"/>
+          <a:stretch>
+            <a:fillRect/>
+          </a:stretch>
+        </p:blipFill>
+        <p:spPr>
+          <a:xfrm>
+            <a:off x="6705913" y="1840134"/>
+            <a:ext cx="3809373" cy="1907223"/>
+          </a:xfrm>
+          <a:prstGeom prst="rect">
+            <a:avLst/>
+          </a:prstGeom>
+          <a:ln>
+            <a:solidFill>
+              <a:srgbClr val="328EB5"/>
+            </a:solidFill>
+          </a:ln>
+        </p:spPr>
+      </p:pic>
+      <p:pic>
+        <p:nvPicPr>
+          <p:cNvPr id="19" name="Picture 18">
+            <a:extLst>
+              <a:ext uri="{FF2B5EF4-FFF2-40B4-BE49-F238E27FC236}">
+                <a16:creationId xmlns:a16="http://schemas.microsoft.com/office/drawing/2014/main" id="{5742EE4A-7CFE-6BE0-5B01-CBE8DA5850DE}"/>
+              </a:ext>
+            </a:extLst>
+          </p:cNvPr>
+          <p:cNvPicPr>
+            <a:picLocks noChangeAspect="1"/>
+          </p:cNvPicPr>
+          <p:nvPr/>
+        </p:nvPicPr>
+        <p:blipFill>
+          <a:blip r:embed="rId5"/>
+          <a:stretch>
+            <a:fillRect/>
+          </a:stretch>
+        </p:blipFill>
+        <p:spPr>
+          <a:xfrm>
+            <a:off x="859310" y="3515870"/>
+            <a:ext cx="5236690" cy="2056359"/>
+          </a:xfrm>
+          <a:prstGeom prst="rect">
+            <a:avLst/>
+          </a:prstGeom>
+          <a:ln>
+            <a:solidFill>
+              <a:srgbClr val="328EB5"/>
+            </a:solidFill>
+          </a:ln>
+        </p:spPr>
+      </p:pic>
+    </p:spTree>
+    <p:extLst>
+      <p:ext uri="{BB962C8B-B14F-4D97-AF65-F5344CB8AC3E}">
+        <p14:creationId xmlns:p14="http://schemas.microsoft.com/office/powerpoint/2010/main" val="3113225617"/>
+      </p:ext>
+    </p:extLst>
+  </p:cSld>
+  <p:clrMapOvr>
+    <a:masterClrMapping/>
+  </p:clrMapOvr>
+</p:sld>
+</file>
+
+<file path=ppt/slides/slide5.xml><?xml version="1.0" encoding="utf-8"?>
+<p:sld xmlns:a="http://schemas.openxmlformats.org/drawingml/2006/main" xmlns:r="http://schemas.openxmlformats.org/officeDocument/2006/relationships" xmlns:p="http://schemas.openxmlformats.org/presentationml/2006/main">
+  <p:cSld>
+    <p:spTree>
+      <p:nvGrpSpPr>
+        <p:cNvPr id="1" name=""/>
+        <p:cNvGrpSpPr/>
+        <p:nvPr/>
+      </p:nvGrpSpPr>
+      <p:grpSpPr>
+        <a:xfrm>
+          <a:off x="0" y="0"/>
+          <a:ext cx="0" cy="0"/>
+          <a:chOff x="0" y="0"/>
+          <a:chExt cx="0" cy="0"/>
+        </a:xfrm>
+      </p:grpSpPr>
+      <p:sp>
+        <p:nvSpPr>
+          <p:cNvPr id="7" name="TextBox 6">
+            <a:extLst>
+              <a:ext uri="{FF2B5EF4-FFF2-40B4-BE49-F238E27FC236}">
+                <a16:creationId xmlns:a16="http://schemas.microsoft.com/office/drawing/2014/main" id="{5D125FF5-A4BE-F7D1-48A3-B299B2BD4C00}"/>
+              </a:ext>
+            </a:extLst>
+          </p:cNvPr>
+          <p:cNvSpPr txBox="1"/>
+          <p:nvPr/>
+        </p:nvSpPr>
+        <p:spPr>
+          <a:xfrm>
+            <a:off x="781878" y="98695"/>
+            <a:ext cx="10085044" cy="820674"/>
+          </a:xfrm>
+          <a:prstGeom prst="rect">
+            <a:avLst/>
+          </a:prstGeom>
+          <a:noFill/>
+        </p:spPr>
+        <p:txBody>
+          <a:bodyPr wrap="square">
+            <a:spAutoFit/>
+          </a:bodyPr>
+          <a:lstStyle/>
+          <a:p>
+            <a:pPr>
+              <a:lnSpc>
+                <a:spcPct val="150000"/>
+              </a:lnSpc>
+            </a:pPr>
+            <a:r>
+              <a:rPr lang="en-US" altLang="zh-CN" sz="3600" dirty="0">
+                <a:solidFill>
+                  <a:schemeClr val="bg2">
+                    <a:lumMod val="25000"/>
+                  </a:schemeClr>
+                </a:solidFill>
+                <a:latin typeface="Arial" panose="020B0604020202020204" pitchFamily="34" charset="0"/>
+                <a:ea typeface="微软雅黑" panose="020B0503020204020204" pitchFamily="34" charset="-122"/>
+                <a:cs typeface="Arial" panose="020B0604020202020204" pitchFamily="34" charset="0"/>
+              </a:rPr>
+              <a:t>EDA on Train Set: Duplication and missingness</a:t>
+            </a:r>
+          </a:p>
+        </p:txBody>
+      </p:sp>
+      <p:sp>
+        <p:nvSpPr>
+          <p:cNvPr id="11" name="Slide Number Placeholder 10">
+            <a:extLst>
+              <a:ext uri="{FF2B5EF4-FFF2-40B4-BE49-F238E27FC236}">
+                <a16:creationId xmlns:a16="http://schemas.microsoft.com/office/drawing/2014/main" id="{E4FAC7AA-BDB7-F7C0-F177-96942C945B33}"/>
+              </a:ext>
+            </a:extLst>
+          </p:cNvPr>
+          <p:cNvSpPr>
+            <a:spLocks noGrp="1"/>
+          </p:cNvSpPr>
+          <p:nvPr>
+            <p:ph type="sldNum" sz="quarter" idx="12"/>
+          </p:nvPr>
+        </p:nvSpPr>
+        <p:spPr/>
+        <p:txBody>
+          <a:bodyPr/>
+          <a:lstStyle/>
+          <a:p>
+            <a:fld id="{CD1615FA-664A-4E3E-8664-50FDFADF9207}" type="slidenum">
+              <a:rPr lang="zh-CN" altLang="en-US" smtClean="0"/>
+              <a:t>5</a:t>
+            </a:fld>
+            <a:endParaRPr lang="zh-CN" altLang="en-US"/>
+          </a:p>
+        </p:txBody>
+      </p:sp>
+      <p:sp>
+        <p:nvSpPr>
+          <p:cNvPr id="2" name="Flowchart: Process 1">
+            <a:extLst>
+              <a:ext uri="{FF2B5EF4-FFF2-40B4-BE49-F238E27FC236}">
+                <a16:creationId xmlns:a16="http://schemas.microsoft.com/office/drawing/2014/main" id="{8105CBB4-A62C-646D-028E-C22D78DFD5E9}"/>
+              </a:ext>
+            </a:extLst>
+          </p:cNvPr>
+          <p:cNvSpPr/>
+          <p:nvPr/>
+        </p:nvSpPr>
+        <p:spPr>
+          <a:xfrm flipV="1">
+            <a:off x="0" y="1046870"/>
+            <a:ext cx="12192000" cy="9144"/>
+          </a:xfrm>
+          <a:prstGeom prst="flowChartProcess">
+            <a:avLst/>
+          </a:prstGeom>
+          <a:solidFill>
+            <a:srgbClr val="D41B2C"/>
+          </a:solidFill>
+          <a:ln>
+            <a:noFill/>
+          </a:ln>
+        </p:spPr>
+        <p:style>
+          <a:lnRef idx="2">
+            <a:schemeClr val="accent1">
+              <a:shade val="15000"/>
+            </a:schemeClr>
+          </a:lnRef>
+          <a:fillRef idx="1">
+            <a:schemeClr val="accent1"/>
+          </a:fillRef>
+          <a:effectRef idx="0">
+            <a:schemeClr val="accent1"/>
+          </a:effectRef>
+          <a:fontRef idx="minor">
+            <a:schemeClr val="lt1"/>
+          </a:fontRef>
+        </p:style>
+        <p:txBody>
+          <a:bodyPr rtlCol="0" anchor="ctr"/>
+          <a:lstStyle/>
+          <a:p>
+            <a:pPr algn="ctr"/>
+            <a:endParaRPr lang="zh-CN" altLang="en-US"/>
+          </a:p>
+        </p:txBody>
+      </p:sp>
+      <p:pic>
+        <p:nvPicPr>
+          <p:cNvPr id="4" name="Picture 3">
+            <a:extLst>
+              <a:ext uri="{FF2B5EF4-FFF2-40B4-BE49-F238E27FC236}">
+                <a16:creationId xmlns:a16="http://schemas.microsoft.com/office/drawing/2014/main" id="{BD4D9B54-B59D-E156-3FE2-C40FE105D582}"/>
+              </a:ext>
+            </a:extLst>
+          </p:cNvPr>
+          <p:cNvPicPr>
+            <a:picLocks noChangeAspect="1"/>
+          </p:cNvPicPr>
+          <p:nvPr/>
+        </p:nvPicPr>
+        <p:blipFill>
+          <a:blip r:embed="rId2"/>
+          <a:stretch>
+            <a:fillRect/>
+          </a:stretch>
+        </p:blipFill>
+        <p:spPr>
+          <a:xfrm>
+            <a:off x="1044395" y="1638300"/>
+            <a:ext cx="4127712" cy="1174810"/>
+          </a:xfrm>
+          <a:prstGeom prst="rect">
+            <a:avLst/>
+          </a:prstGeom>
+          <a:ln>
+            <a:solidFill>
+              <a:srgbClr val="328EB5"/>
+            </a:solidFill>
+          </a:ln>
+        </p:spPr>
+      </p:pic>
+      <p:pic>
+        <p:nvPicPr>
+          <p:cNvPr id="6" name="Picture 5">
+            <a:extLst>
+              <a:ext uri="{FF2B5EF4-FFF2-40B4-BE49-F238E27FC236}">
+                <a16:creationId xmlns:a16="http://schemas.microsoft.com/office/drawing/2014/main" id="{FAE1EB97-6992-F709-AC99-2A45CEB4B317}"/>
+              </a:ext>
+            </a:extLst>
+          </p:cNvPr>
+          <p:cNvPicPr>
+            <a:picLocks noChangeAspect="1"/>
+          </p:cNvPicPr>
+          <p:nvPr/>
+        </p:nvPicPr>
+        <p:blipFill>
+          <a:blip r:embed="rId3"/>
+          <a:stretch>
+            <a:fillRect/>
+          </a:stretch>
+        </p:blipFill>
+        <p:spPr>
+          <a:xfrm>
+            <a:off x="1044395" y="3213705"/>
+            <a:ext cx="4127712" cy="1174810"/>
+          </a:xfrm>
+          <a:prstGeom prst="rect">
+            <a:avLst/>
+          </a:prstGeom>
+          <a:ln>
+            <a:solidFill>
+              <a:srgbClr val="328EB5"/>
+            </a:solidFill>
+          </a:ln>
+        </p:spPr>
+      </p:pic>
+      <p:pic>
+        <p:nvPicPr>
+          <p:cNvPr id="10" name="Picture 9">
+            <a:extLst>
+              <a:ext uri="{FF2B5EF4-FFF2-40B4-BE49-F238E27FC236}">
+                <a16:creationId xmlns:a16="http://schemas.microsoft.com/office/drawing/2014/main" id="{15F4B0F3-553D-3052-4C30-0D8A5B9C421D}"/>
+              </a:ext>
+            </a:extLst>
+          </p:cNvPr>
+          <p:cNvPicPr>
+            <a:picLocks noChangeAspect="1"/>
+          </p:cNvPicPr>
+          <p:nvPr/>
+        </p:nvPicPr>
+        <p:blipFill>
+          <a:blip r:embed="rId4"/>
+          <a:stretch>
+            <a:fillRect/>
+          </a:stretch>
+        </p:blipFill>
+        <p:spPr>
+          <a:xfrm>
+            <a:off x="1044395" y="4789110"/>
+            <a:ext cx="4127712" cy="850944"/>
+          </a:xfrm>
+          <a:prstGeom prst="rect">
+            <a:avLst/>
+          </a:prstGeom>
+          <a:ln>
+            <a:solidFill>
+              <a:srgbClr val="328EB5"/>
+            </a:solidFill>
+          </a:ln>
+        </p:spPr>
+      </p:pic>
+      <p:sp>
+        <p:nvSpPr>
+          <p:cNvPr id="13" name="TextBox 12">
+            <a:extLst>
+              <a:ext uri="{FF2B5EF4-FFF2-40B4-BE49-F238E27FC236}">
+                <a16:creationId xmlns:a16="http://schemas.microsoft.com/office/drawing/2014/main" id="{7C278F20-FFE4-5C7B-FBB9-A086DE9B416D}"/>
+              </a:ext>
+            </a:extLst>
+          </p:cNvPr>
+          <p:cNvSpPr txBox="1"/>
+          <p:nvPr/>
+        </p:nvSpPr>
+        <p:spPr>
+          <a:xfrm>
+            <a:off x="6115493" y="4080870"/>
+            <a:ext cx="4570882" cy="735714"/>
+          </a:xfrm>
+          <a:prstGeom prst="rect">
+            <a:avLst/>
+          </a:prstGeom>
+          <a:noFill/>
+        </p:spPr>
+        <p:txBody>
+          <a:bodyPr wrap="square">
+            <a:spAutoFit/>
+          </a:bodyPr>
+          <a:lstStyle/>
+          <a:p>
+            <a:pPr marL="285750" indent="-285750">
+              <a:lnSpc>
+                <a:spcPct val="120000"/>
+              </a:lnSpc>
+              <a:buClr>
+                <a:srgbClr val="D41B2C"/>
+              </a:buClr>
+              <a:buFont typeface="Wingdings" panose="05000000000000000000" pitchFamily="2" charset="2"/>
+              <a:buChar char="n"/>
+            </a:pPr>
+            <a:r>
+              <a:rPr lang="en-US" altLang="zh-CN" b="1" dirty="0">
+                <a:solidFill>
+                  <a:srgbClr val="D41B2C"/>
+                </a:solidFill>
+              </a:rPr>
+              <a:t>No missing value </a:t>
+            </a:r>
+            <a:r>
+              <a:rPr lang="en-US" altLang="zh-CN" dirty="0"/>
+              <a:t>in both attributes and the target variable.</a:t>
+            </a:r>
+          </a:p>
+        </p:txBody>
+      </p:sp>
+      <p:sp>
+        <p:nvSpPr>
+          <p:cNvPr id="14" name="TextBox 13">
+            <a:extLst>
+              <a:ext uri="{FF2B5EF4-FFF2-40B4-BE49-F238E27FC236}">
+                <a16:creationId xmlns:a16="http://schemas.microsoft.com/office/drawing/2014/main" id="{581C72F6-09D7-D049-690E-A6E9C4C04679}"/>
+              </a:ext>
+            </a:extLst>
+          </p:cNvPr>
+          <p:cNvSpPr txBox="1"/>
+          <p:nvPr/>
+        </p:nvSpPr>
+        <p:spPr>
+          <a:xfrm>
+            <a:off x="6096000" y="2894943"/>
+            <a:ext cx="4590374" cy="1068113"/>
+          </a:xfrm>
+          <a:prstGeom prst="rect">
+            <a:avLst/>
+          </a:prstGeom>
+          <a:noFill/>
+        </p:spPr>
+        <p:txBody>
+          <a:bodyPr wrap="square">
+            <a:spAutoFit/>
+          </a:bodyPr>
+          <a:lstStyle/>
+          <a:p>
+            <a:pPr marL="285750" indent="-285750">
+              <a:lnSpc>
+                <a:spcPct val="120000"/>
+              </a:lnSpc>
+              <a:buClr>
+                <a:srgbClr val="D41B2C"/>
+              </a:buClr>
+              <a:buFont typeface="Wingdings" panose="05000000000000000000" pitchFamily="2" charset="2"/>
+              <a:buChar char="n"/>
+            </a:pPr>
+            <a:r>
+              <a:rPr lang="en-US" altLang="zh-CN" dirty="0"/>
+              <a:t>There are </a:t>
+            </a:r>
+            <a:r>
+              <a:rPr lang="en-US" altLang="zh-CN" b="1" dirty="0">
+                <a:solidFill>
+                  <a:srgbClr val="D41B2C"/>
+                </a:solidFill>
+              </a:rPr>
+              <a:t>duplicate observations </a:t>
+            </a:r>
+            <a:r>
+              <a:rPr lang="en-US" altLang="zh-CN" dirty="0"/>
+              <a:t>in the set, which should be dropped at the beginning of the data transformation.</a:t>
+            </a:r>
+          </a:p>
+        </p:txBody>
+      </p:sp>
+    </p:spTree>
+    <p:extLst>
+      <p:ext uri="{BB962C8B-B14F-4D97-AF65-F5344CB8AC3E}">
+        <p14:creationId xmlns:p14="http://schemas.microsoft.com/office/powerpoint/2010/main" val="4180026629"/>
+      </p:ext>
+    </p:extLst>
+  </p:cSld>
+  <p:clrMapOvr>
+    <a:masterClrMapping/>
+  </p:clrMapOvr>
+</p:sld>
+</file>
+
+<file path=ppt/slides/slide6.xml><?xml version="1.0" encoding="utf-8"?>
+<p:sld xmlns:a="http://schemas.openxmlformats.org/drawingml/2006/main" xmlns:r="http://schemas.openxmlformats.org/officeDocument/2006/relationships" xmlns:p="http://schemas.openxmlformats.org/presentationml/2006/main">
+  <p:cSld>
+    <p:spTree>
+      <p:nvGrpSpPr>
+        <p:cNvPr id="1" name=""/>
+        <p:cNvGrpSpPr/>
+        <p:nvPr/>
+      </p:nvGrpSpPr>
+      <p:grpSpPr>
+        <a:xfrm>
+          <a:off x="0" y="0"/>
+          <a:ext cx="0" cy="0"/>
+          <a:chOff x="0" y="0"/>
+          <a:chExt cx="0" cy="0"/>
+        </a:xfrm>
+      </p:grpSpPr>
+      <p:sp>
+        <p:nvSpPr>
+          <p:cNvPr id="7" name="TextBox 6">
+            <a:extLst>
+              <a:ext uri="{FF2B5EF4-FFF2-40B4-BE49-F238E27FC236}">
+                <a16:creationId xmlns:a16="http://schemas.microsoft.com/office/drawing/2014/main" id="{5D125FF5-A4BE-F7D1-48A3-B299B2BD4C00}"/>
+              </a:ext>
+            </a:extLst>
+          </p:cNvPr>
+          <p:cNvSpPr txBox="1"/>
+          <p:nvPr/>
+        </p:nvSpPr>
+        <p:spPr>
+          <a:xfrm>
+            <a:off x="781878" y="160847"/>
+            <a:ext cx="11410122" cy="658835"/>
+          </a:xfrm>
+          <a:prstGeom prst="rect">
+            <a:avLst/>
+          </a:prstGeom>
+          <a:noFill/>
+        </p:spPr>
+        <p:txBody>
+          <a:bodyPr wrap="square">
+            <a:spAutoFit/>
+          </a:bodyPr>
+          <a:lstStyle/>
+          <a:p>
+            <a:pPr>
+              <a:lnSpc>
+                <a:spcPct val="150000"/>
+              </a:lnSpc>
+            </a:pPr>
+            <a:r>
+              <a:rPr lang="en-US" altLang="zh-CN" sz="2800" dirty="0">
+                <a:solidFill>
+                  <a:schemeClr val="bg2">
+                    <a:lumMod val="25000"/>
+                  </a:schemeClr>
+                </a:solidFill>
+                <a:latin typeface="Arial" panose="020B0604020202020204" pitchFamily="34" charset="0"/>
+                <a:ea typeface="微软雅黑" panose="020B0503020204020204" pitchFamily="34" charset="-122"/>
+                <a:cs typeface="Arial" panose="020B0604020202020204" pitchFamily="34" charset="0"/>
+              </a:rPr>
+              <a:t>EDA on Train Set: Identify numerical and categorical attributes</a:t>
+            </a:r>
+          </a:p>
+        </p:txBody>
+      </p:sp>
+      <p:sp>
+        <p:nvSpPr>
+          <p:cNvPr id="11" name="Slide Number Placeholder 10">
+            <a:extLst>
+              <a:ext uri="{FF2B5EF4-FFF2-40B4-BE49-F238E27FC236}">
+                <a16:creationId xmlns:a16="http://schemas.microsoft.com/office/drawing/2014/main" id="{E4FAC7AA-BDB7-F7C0-F177-96942C945B33}"/>
+              </a:ext>
+            </a:extLst>
+          </p:cNvPr>
+          <p:cNvSpPr>
+            <a:spLocks noGrp="1"/>
+          </p:cNvSpPr>
+          <p:nvPr>
+            <p:ph type="sldNum" sz="quarter" idx="12"/>
+          </p:nvPr>
+        </p:nvSpPr>
+        <p:spPr/>
+        <p:txBody>
+          <a:bodyPr/>
+          <a:lstStyle/>
+          <a:p>
+            <a:fld id="{CD1615FA-664A-4E3E-8664-50FDFADF9207}" type="slidenum">
+              <a:rPr lang="zh-CN" altLang="en-US" smtClean="0"/>
+              <a:t>6</a:t>
+            </a:fld>
+            <a:endParaRPr lang="zh-CN" altLang="en-US"/>
+          </a:p>
+        </p:txBody>
+      </p:sp>
+      <p:sp>
+        <p:nvSpPr>
+          <p:cNvPr id="2" name="Flowchart: Process 1">
+            <a:extLst>
+              <a:ext uri="{FF2B5EF4-FFF2-40B4-BE49-F238E27FC236}">
+                <a16:creationId xmlns:a16="http://schemas.microsoft.com/office/drawing/2014/main" id="{8105CBB4-A62C-646D-028E-C22D78DFD5E9}"/>
+              </a:ext>
+            </a:extLst>
+          </p:cNvPr>
+          <p:cNvSpPr/>
+          <p:nvPr/>
+        </p:nvSpPr>
+        <p:spPr>
+          <a:xfrm flipV="1">
+            <a:off x="0" y="1046870"/>
+            <a:ext cx="12192000" cy="9144"/>
+          </a:xfrm>
+          <a:prstGeom prst="flowChartProcess">
+            <a:avLst/>
+          </a:prstGeom>
+          <a:solidFill>
+            <a:srgbClr val="D41B2C"/>
+          </a:solidFill>
+          <a:ln>
+            <a:noFill/>
+          </a:ln>
+        </p:spPr>
+        <p:style>
+          <a:lnRef idx="2">
+            <a:schemeClr val="accent1">
+              <a:shade val="15000"/>
+            </a:schemeClr>
+          </a:lnRef>
+          <a:fillRef idx="1">
+            <a:schemeClr val="accent1"/>
+          </a:fillRef>
+          <a:effectRef idx="0">
+            <a:schemeClr val="accent1"/>
+          </a:effectRef>
+          <a:fontRef idx="minor">
+            <a:schemeClr val="lt1"/>
+          </a:fontRef>
+        </p:style>
+        <p:txBody>
+          <a:bodyPr rtlCol="0" anchor="ctr"/>
+          <a:lstStyle/>
+          <a:p>
+            <a:pPr algn="ctr"/>
+            <a:endParaRPr lang="zh-CN" altLang="en-US"/>
+          </a:p>
+        </p:txBody>
+      </p:sp>
+      <p:sp>
+        <p:nvSpPr>
+          <p:cNvPr id="14" name="TextBox 13">
+            <a:extLst>
+              <a:ext uri="{FF2B5EF4-FFF2-40B4-BE49-F238E27FC236}">
+                <a16:creationId xmlns:a16="http://schemas.microsoft.com/office/drawing/2014/main" id="{581C72F6-09D7-D049-690E-A6E9C4C04679}"/>
+              </a:ext>
+            </a:extLst>
+          </p:cNvPr>
+          <p:cNvSpPr txBox="1"/>
+          <p:nvPr/>
+        </p:nvSpPr>
+        <p:spPr>
+          <a:xfrm>
+            <a:off x="781878" y="1528723"/>
+            <a:ext cx="10456736" cy="1068113"/>
+          </a:xfrm>
+          <a:prstGeom prst="rect">
+            <a:avLst/>
+          </a:prstGeom>
+          <a:noFill/>
+        </p:spPr>
+        <p:txBody>
+          <a:bodyPr wrap="square">
+            <a:spAutoFit/>
+          </a:bodyPr>
+          <a:lstStyle/>
+          <a:p>
+            <a:pPr marL="285750" indent="-285750">
+              <a:lnSpc>
+                <a:spcPct val="120000"/>
+              </a:lnSpc>
+              <a:buClr>
+                <a:srgbClr val="D41B2C"/>
+              </a:buClr>
+              <a:buFont typeface="Wingdings" panose="05000000000000000000" pitchFamily="2" charset="2"/>
+              <a:buChar char="n"/>
+            </a:pPr>
+            <a:r>
+              <a:rPr lang="en-US" altLang="zh-CN" dirty="0"/>
+              <a:t>Based on the data type of attribute columns, there is only one categorical attribute </a:t>
+            </a:r>
+            <a:r>
+              <a:rPr lang="en-US" altLang="zh-CN" b="1" i="1" dirty="0" err="1"/>
+              <a:t>communication_onlinerate</a:t>
+            </a:r>
+            <a:r>
+              <a:rPr lang="en-US" altLang="zh-CN" dirty="0"/>
+              <a:t>. However, some 'numerical' attributes seem to be categorical from the field explanation (see </a:t>
+            </a:r>
+            <a:r>
+              <a:rPr lang="en-US" altLang="zh-CN" b="1" i="1" dirty="0" err="1"/>
+              <a:t>data_fields.json</a:t>
+            </a:r>
+            <a:r>
+              <a:rPr lang="en-US" altLang="zh-CN" b="1" i="1" dirty="0"/>
+              <a:t> </a:t>
+            </a:r>
+            <a:r>
+              <a:rPr lang="en-US" altLang="zh-CN" dirty="0"/>
+              <a:t>in repo) and domain knowledge. </a:t>
+            </a:r>
+          </a:p>
+        </p:txBody>
+      </p:sp>
+      <p:sp>
+        <p:nvSpPr>
+          <p:cNvPr id="12" name="TextBox 11">
+            <a:extLst>
+              <a:ext uri="{FF2B5EF4-FFF2-40B4-BE49-F238E27FC236}">
+                <a16:creationId xmlns:a16="http://schemas.microsoft.com/office/drawing/2014/main" id="{65946DDA-9B38-D45D-47C8-45F709A0CAA4}"/>
+              </a:ext>
+            </a:extLst>
+          </p:cNvPr>
+          <p:cNvSpPr txBox="1"/>
+          <p:nvPr/>
+        </p:nvSpPr>
+        <p:spPr>
+          <a:xfrm>
+            <a:off x="781878" y="2658613"/>
+            <a:ext cx="10456736" cy="735714"/>
+          </a:xfrm>
+          <a:prstGeom prst="rect">
+            <a:avLst/>
+          </a:prstGeom>
+          <a:noFill/>
+        </p:spPr>
+        <p:txBody>
+          <a:bodyPr wrap="square">
+            <a:spAutoFit/>
+          </a:bodyPr>
+          <a:lstStyle/>
+          <a:p>
+            <a:pPr marL="285750" indent="-285750">
+              <a:lnSpc>
+                <a:spcPct val="120000"/>
+              </a:lnSpc>
+              <a:buClr>
+                <a:srgbClr val="D41B2C"/>
+              </a:buClr>
+              <a:buFont typeface="Wingdings" panose="05000000000000000000" pitchFamily="2" charset="2"/>
+              <a:buChar char="n"/>
+            </a:pPr>
+            <a:r>
+              <a:rPr lang="en-US" altLang="zh-CN" dirty="0"/>
+              <a:t>After checking the original dataset, it seems the data has been </a:t>
+            </a:r>
+            <a:r>
+              <a:rPr lang="en-US" altLang="zh-CN" b="1" dirty="0">
+                <a:solidFill>
+                  <a:srgbClr val="D41B2C"/>
+                </a:solidFill>
+              </a:rPr>
+              <a:t>label-encoded</a:t>
+            </a:r>
+            <a:r>
+              <a:rPr lang="en-US" altLang="zh-CN" dirty="0"/>
+              <a:t>, which means categories in categorical attributes are replaced with numbers. </a:t>
+            </a:r>
+          </a:p>
+        </p:txBody>
+      </p:sp>
+      <p:sp>
+        <p:nvSpPr>
+          <p:cNvPr id="16" name="TextBox 15">
+            <a:extLst>
+              <a:ext uri="{FF2B5EF4-FFF2-40B4-BE49-F238E27FC236}">
+                <a16:creationId xmlns:a16="http://schemas.microsoft.com/office/drawing/2014/main" id="{95C9E104-A0DF-FF6A-5D66-1447492B71E8}"/>
+              </a:ext>
+            </a:extLst>
+          </p:cNvPr>
+          <p:cNvSpPr txBox="1"/>
+          <p:nvPr/>
+        </p:nvSpPr>
+        <p:spPr>
+          <a:xfrm>
+            <a:off x="781877" y="3456104"/>
+            <a:ext cx="10456735" cy="735714"/>
+          </a:xfrm>
+          <a:prstGeom prst="rect">
+            <a:avLst/>
+          </a:prstGeom>
+          <a:noFill/>
+        </p:spPr>
+        <p:txBody>
+          <a:bodyPr wrap="square">
+            <a:spAutoFit/>
+          </a:bodyPr>
+          <a:lstStyle/>
+          <a:p>
+            <a:pPr marL="285750" indent="-285750">
+              <a:lnSpc>
+                <a:spcPct val="120000"/>
+              </a:lnSpc>
+              <a:buClr>
+                <a:srgbClr val="D41B2C"/>
+              </a:buClr>
+              <a:buFont typeface="Wingdings" panose="05000000000000000000" pitchFamily="2" charset="2"/>
+              <a:buChar char="n"/>
+            </a:pPr>
+            <a:r>
+              <a:rPr lang="en-US" altLang="zh-CN" dirty="0"/>
+              <a:t>These pre-encoded categorical attributes have no statistical meaning with their number. These numbers can be actually seen as another type of 'label'.</a:t>
+            </a:r>
+          </a:p>
+        </p:txBody>
+      </p:sp>
+      <p:sp>
+        <p:nvSpPr>
+          <p:cNvPr id="18" name="TextBox 17">
+            <a:extLst>
+              <a:ext uri="{FF2B5EF4-FFF2-40B4-BE49-F238E27FC236}">
+                <a16:creationId xmlns:a16="http://schemas.microsoft.com/office/drawing/2014/main" id="{6FE06B24-9BE8-1A3A-82AF-F5DDD40213FF}"/>
+              </a:ext>
+            </a:extLst>
+          </p:cNvPr>
+          <p:cNvSpPr txBox="1"/>
+          <p:nvPr/>
+        </p:nvSpPr>
+        <p:spPr>
+          <a:xfrm>
+            <a:off x="781877" y="4253595"/>
+            <a:ext cx="10456734" cy="1068113"/>
+          </a:xfrm>
+          <a:prstGeom prst="rect">
+            <a:avLst/>
+          </a:prstGeom>
+          <a:noFill/>
+        </p:spPr>
+        <p:txBody>
+          <a:bodyPr wrap="square">
+            <a:spAutoFit/>
+          </a:bodyPr>
+          <a:lstStyle/>
+          <a:p>
+            <a:pPr marL="285750" indent="-285750">
+              <a:lnSpc>
+                <a:spcPct val="120000"/>
+              </a:lnSpc>
+              <a:buClr>
+                <a:srgbClr val="D41B2C"/>
+              </a:buClr>
+              <a:buFont typeface="Wingdings" panose="05000000000000000000" pitchFamily="2" charset="2"/>
+              <a:buChar char="n"/>
+            </a:pPr>
+            <a:r>
+              <a:rPr lang="en-US" altLang="zh-CN" dirty="0"/>
+              <a:t>In addition, directly label-encoding categorical attributes may be not suitable sometimes. It could be suitable if the attribute is ordinal, yet label-encoding nominal attributes is meaningless, as there is no actual numerical relationship between them.</a:t>
+            </a:r>
+          </a:p>
+        </p:txBody>
+      </p:sp>
+      <p:sp>
+        <p:nvSpPr>
+          <p:cNvPr id="20" name="TextBox 19">
+            <a:extLst>
+              <a:ext uri="{FF2B5EF4-FFF2-40B4-BE49-F238E27FC236}">
+                <a16:creationId xmlns:a16="http://schemas.microsoft.com/office/drawing/2014/main" id="{BAEF2FF1-A63F-6AB0-0684-32845CC7325D}"/>
+              </a:ext>
+            </a:extLst>
+          </p:cNvPr>
+          <p:cNvSpPr txBox="1"/>
+          <p:nvPr/>
+        </p:nvSpPr>
+        <p:spPr>
+          <a:xfrm>
+            <a:off x="781876" y="5383484"/>
+            <a:ext cx="10456733" cy="735714"/>
+          </a:xfrm>
+          <a:prstGeom prst="rect">
+            <a:avLst/>
+          </a:prstGeom>
+          <a:noFill/>
+        </p:spPr>
+        <p:txBody>
+          <a:bodyPr wrap="square">
+            <a:spAutoFit/>
+          </a:bodyPr>
+          <a:lstStyle/>
+          <a:p>
+            <a:pPr marL="285750" indent="-285750">
+              <a:lnSpc>
+                <a:spcPct val="120000"/>
+              </a:lnSpc>
+              <a:buClr>
+                <a:srgbClr val="D41B2C"/>
+              </a:buClr>
+              <a:buFont typeface="Wingdings" panose="05000000000000000000" pitchFamily="2" charset="2"/>
+              <a:buChar char="n"/>
+            </a:pPr>
+            <a:r>
+              <a:rPr lang="en-US" altLang="zh-CN" dirty="0"/>
+              <a:t>Thus, we will look at the distribution of all 'numerical' attributes and </a:t>
+            </a:r>
+            <a:r>
+              <a:rPr lang="en-US" altLang="zh-CN" b="1" dirty="0">
+                <a:solidFill>
+                  <a:srgbClr val="D41B2C"/>
+                </a:solidFill>
+              </a:rPr>
+              <a:t>find actually categorical ones </a:t>
+            </a:r>
+            <a:r>
+              <a:rPr lang="en-US" altLang="zh-CN" dirty="0"/>
+              <a:t>within them.</a:t>
+            </a:r>
+          </a:p>
+        </p:txBody>
+      </p:sp>
+    </p:spTree>
+    <p:extLst>
+      <p:ext uri="{BB962C8B-B14F-4D97-AF65-F5344CB8AC3E}">
+        <p14:creationId xmlns:p14="http://schemas.microsoft.com/office/powerpoint/2010/main" val="2604750404"/>
+      </p:ext>
+    </p:extLst>
+  </p:cSld>
+  <p:clrMapOvr>
+    <a:masterClrMapping/>
+  </p:clrMapOvr>
+</p:sld>
+</file>
+
+<file path=ppt/slides/slide7.xml><?xml version="1.0" encoding="utf-8"?>
+<p:sld xmlns:a="http://schemas.openxmlformats.org/drawingml/2006/main" xmlns:r="http://schemas.openxmlformats.org/officeDocument/2006/relationships" xmlns:p="http://schemas.openxmlformats.org/presentationml/2006/main">
+  <p:cSld>
+    <p:spTree>
+      <p:nvGrpSpPr>
+        <p:cNvPr id="1" name=""/>
+        <p:cNvGrpSpPr/>
+        <p:nvPr/>
+      </p:nvGrpSpPr>
+      <p:grpSpPr>
+        <a:xfrm>
+          <a:off x="0" y="0"/>
+          <a:ext cx="0" cy="0"/>
+          <a:chOff x="0" y="0"/>
+          <a:chExt cx="0" cy="0"/>
+        </a:xfrm>
+      </p:grpSpPr>
+      <p:sp>
+        <p:nvSpPr>
+          <p:cNvPr id="7" name="TextBox 6">
+            <a:extLst>
+              <a:ext uri="{FF2B5EF4-FFF2-40B4-BE49-F238E27FC236}">
+                <a16:creationId xmlns:a16="http://schemas.microsoft.com/office/drawing/2014/main" id="{5D125FF5-A4BE-F7D1-48A3-B299B2BD4C00}"/>
+              </a:ext>
+            </a:extLst>
+          </p:cNvPr>
+          <p:cNvSpPr txBox="1"/>
+          <p:nvPr/>
+        </p:nvSpPr>
+        <p:spPr>
+          <a:xfrm>
+            <a:off x="781878" y="160847"/>
+            <a:ext cx="11410122" cy="658835"/>
+          </a:xfrm>
+          <a:prstGeom prst="rect">
+            <a:avLst/>
+          </a:prstGeom>
+          <a:noFill/>
+        </p:spPr>
+        <p:txBody>
+          <a:bodyPr wrap="square">
+            <a:spAutoFit/>
+          </a:bodyPr>
+          <a:lstStyle/>
+          <a:p>
+            <a:pPr>
+              <a:lnSpc>
+                <a:spcPct val="150000"/>
+              </a:lnSpc>
+            </a:pPr>
+            <a:r>
+              <a:rPr lang="en-US" altLang="zh-CN" sz="2800" dirty="0">
+                <a:solidFill>
+                  <a:schemeClr val="bg2">
+                    <a:lumMod val="25000"/>
+                  </a:schemeClr>
+                </a:solidFill>
+                <a:latin typeface="Arial" panose="020B0604020202020204" pitchFamily="34" charset="0"/>
+                <a:ea typeface="微软雅黑" panose="020B0503020204020204" pitchFamily="34" charset="-122"/>
+                <a:cs typeface="Arial" panose="020B0604020202020204" pitchFamily="34" charset="0"/>
+              </a:rPr>
+              <a:t>EDA on Train Set: Identify numerical and categorical attributes</a:t>
+            </a:r>
+          </a:p>
+        </p:txBody>
+      </p:sp>
+      <p:sp>
+        <p:nvSpPr>
+          <p:cNvPr id="11" name="Slide Number Placeholder 10">
+            <a:extLst>
+              <a:ext uri="{FF2B5EF4-FFF2-40B4-BE49-F238E27FC236}">
+                <a16:creationId xmlns:a16="http://schemas.microsoft.com/office/drawing/2014/main" id="{E4FAC7AA-BDB7-F7C0-F177-96942C945B33}"/>
+              </a:ext>
+            </a:extLst>
+          </p:cNvPr>
+          <p:cNvSpPr>
+            <a:spLocks noGrp="1"/>
+          </p:cNvSpPr>
+          <p:nvPr>
+            <p:ph type="sldNum" sz="quarter" idx="12"/>
+          </p:nvPr>
+        </p:nvSpPr>
+        <p:spPr/>
+        <p:txBody>
+          <a:bodyPr/>
+          <a:lstStyle/>
+          <a:p>
+            <a:fld id="{CD1615FA-664A-4E3E-8664-50FDFADF9207}" type="slidenum">
+              <a:rPr lang="zh-CN" altLang="en-US" smtClean="0"/>
+              <a:t>7</a:t>
+            </a:fld>
+            <a:endParaRPr lang="zh-CN" altLang="en-US"/>
+          </a:p>
+        </p:txBody>
+      </p:sp>
+      <p:sp>
+        <p:nvSpPr>
+          <p:cNvPr id="2" name="Flowchart: Process 1">
+            <a:extLst>
+              <a:ext uri="{FF2B5EF4-FFF2-40B4-BE49-F238E27FC236}">
+                <a16:creationId xmlns:a16="http://schemas.microsoft.com/office/drawing/2014/main" id="{8105CBB4-A62C-646D-028E-C22D78DFD5E9}"/>
+              </a:ext>
+            </a:extLst>
+          </p:cNvPr>
+          <p:cNvSpPr/>
+          <p:nvPr/>
+        </p:nvSpPr>
+        <p:spPr>
+          <a:xfrm flipV="1">
+            <a:off x="0" y="1046870"/>
+            <a:ext cx="12192000" cy="9144"/>
+          </a:xfrm>
+          <a:prstGeom prst="flowChartProcess">
+            <a:avLst/>
+          </a:prstGeom>
+          <a:solidFill>
+            <a:srgbClr val="D41B2C"/>
+          </a:solidFill>
+          <a:ln>
+            <a:noFill/>
+          </a:ln>
+        </p:spPr>
+        <p:style>
+          <a:lnRef idx="2">
+            <a:schemeClr val="accent1">
+              <a:shade val="15000"/>
+            </a:schemeClr>
+          </a:lnRef>
+          <a:fillRef idx="1">
+            <a:schemeClr val="accent1"/>
+          </a:fillRef>
+          <a:effectRef idx="0">
+            <a:schemeClr val="accent1"/>
+          </a:effectRef>
+          <a:fontRef idx="minor">
+            <a:schemeClr val="lt1"/>
+          </a:fontRef>
+        </p:style>
+        <p:txBody>
+          <a:bodyPr rtlCol="0" anchor="ctr"/>
+          <a:lstStyle/>
+          <a:p>
+            <a:pPr algn="ctr"/>
+            <a:endParaRPr lang="zh-CN" altLang="en-US"/>
+          </a:p>
+        </p:txBody>
+      </p:sp>
+      <p:sp>
+        <p:nvSpPr>
+          <p:cNvPr id="20" name="TextBox 19">
+            <a:extLst>
+              <a:ext uri="{FF2B5EF4-FFF2-40B4-BE49-F238E27FC236}">
+                <a16:creationId xmlns:a16="http://schemas.microsoft.com/office/drawing/2014/main" id="{BAEF2FF1-A63F-6AB0-0684-32845CC7325D}"/>
+              </a:ext>
+            </a:extLst>
+          </p:cNvPr>
+          <p:cNvSpPr txBox="1"/>
+          <p:nvPr/>
+        </p:nvSpPr>
+        <p:spPr>
+          <a:xfrm>
+            <a:off x="6096000" y="1535026"/>
+            <a:ext cx="5667153" cy="4724498"/>
+          </a:xfrm>
+          <a:prstGeom prst="rect">
+            <a:avLst/>
+          </a:prstGeom>
+          <a:noFill/>
+        </p:spPr>
+        <p:txBody>
+          <a:bodyPr wrap="square">
+            <a:spAutoFit/>
+          </a:bodyPr>
+          <a:lstStyle/>
+          <a:p>
+            <a:pPr marL="285750" indent="-285750">
+              <a:lnSpc>
+                <a:spcPct val="120000"/>
+              </a:lnSpc>
+              <a:buClr>
+                <a:srgbClr val="D41B2C"/>
+              </a:buClr>
+              <a:buFont typeface="Wingdings" panose="05000000000000000000" pitchFamily="2" charset="2"/>
+              <a:buChar char="n"/>
+            </a:pPr>
+            <a:r>
+              <a:rPr lang="en-US" altLang="zh-CN" dirty="0"/>
+              <a:t>The histogram plots reveal some </a:t>
+            </a:r>
+            <a:r>
+              <a:rPr lang="en-US" altLang="zh-CN" b="1" dirty="0">
+                <a:solidFill>
+                  <a:srgbClr val="D41B2C"/>
+                </a:solidFill>
+              </a:rPr>
+              <a:t>possible pre-encoded attributes</a:t>
+            </a:r>
+            <a:r>
+              <a:rPr lang="en-US" altLang="zh-CN" dirty="0"/>
+              <a:t>.</a:t>
+            </a:r>
+          </a:p>
+          <a:p>
+            <a:pPr marL="285750" indent="-285750">
+              <a:lnSpc>
+                <a:spcPct val="120000"/>
+              </a:lnSpc>
+              <a:buClr>
+                <a:srgbClr val="D41B2C"/>
+              </a:buClr>
+              <a:buFont typeface="Wingdings" panose="05000000000000000000" pitchFamily="2" charset="2"/>
+              <a:buChar char="n"/>
+            </a:pPr>
+            <a:r>
+              <a:rPr lang="en-US" altLang="zh-CN" dirty="0"/>
+              <a:t>Some are clearly nominal: IDs(</a:t>
+            </a:r>
+            <a:r>
+              <a:rPr lang="en-US" altLang="zh-CN" b="1" i="1" dirty="0" err="1"/>
+              <a:t>uid</a:t>
+            </a:r>
+            <a:r>
+              <a:rPr lang="en-US" altLang="zh-CN" dirty="0"/>
+              <a:t>, </a:t>
+            </a:r>
+            <a:r>
+              <a:rPr lang="en-US" altLang="zh-CN" b="1" i="1" dirty="0" err="1"/>
+              <a:t>task_id</a:t>
+            </a:r>
+            <a:r>
+              <a:rPr lang="en-US" altLang="zh-CN" dirty="0"/>
+              <a:t>, </a:t>
+            </a:r>
+            <a:r>
+              <a:rPr lang="en-US" altLang="zh-CN" dirty="0" err="1"/>
+              <a:t>etc</a:t>
+            </a:r>
+            <a:r>
+              <a:rPr lang="en-US" altLang="zh-CN" dirty="0"/>
+              <a:t>), city, career, gender, etc.</a:t>
+            </a:r>
+          </a:p>
+          <a:p>
+            <a:pPr marL="285750" indent="-285750">
+              <a:lnSpc>
+                <a:spcPct val="120000"/>
+              </a:lnSpc>
+              <a:buClr>
+                <a:srgbClr val="D41B2C"/>
+              </a:buClr>
+              <a:buFont typeface="Wingdings" panose="05000000000000000000" pitchFamily="2" charset="2"/>
+              <a:buChar char="n"/>
+            </a:pPr>
+            <a:r>
+              <a:rPr lang="en-US" altLang="zh-CN" dirty="0"/>
+              <a:t>Some are like ordinal: </a:t>
+            </a:r>
+            <a:r>
+              <a:rPr lang="en-US" altLang="zh-CN" b="1" i="1" dirty="0"/>
+              <a:t>age</a:t>
+            </a:r>
+            <a:r>
+              <a:rPr lang="en-US" altLang="zh-CN" dirty="0"/>
+              <a:t>, </a:t>
+            </a:r>
+            <a:r>
+              <a:rPr lang="en-US" altLang="zh-CN" b="1" i="1" dirty="0" err="1"/>
+              <a:t>city_rank</a:t>
+            </a:r>
+            <a:r>
+              <a:rPr lang="en-US" altLang="zh-CN" dirty="0"/>
+              <a:t>, etc. However, they may also be pre-aggregated. For instance, there are only 8 unique values of </a:t>
+            </a:r>
+            <a:r>
+              <a:rPr lang="en-US" altLang="zh-CN" b="1" i="1" dirty="0"/>
+              <a:t>age</a:t>
+            </a:r>
+            <a:r>
+              <a:rPr lang="en-US" altLang="zh-CN" dirty="0"/>
+              <a:t>, which is not realistic.</a:t>
+            </a:r>
+          </a:p>
+          <a:p>
+            <a:pPr marL="285750" indent="-285750">
+              <a:lnSpc>
+                <a:spcPct val="120000"/>
+              </a:lnSpc>
+              <a:buClr>
+                <a:srgbClr val="D41B2C"/>
+              </a:buClr>
+              <a:buFont typeface="Wingdings" panose="05000000000000000000" pitchFamily="2" charset="2"/>
+              <a:buChar char="n"/>
+            </a:pPr>
+            <a:r>
+              <a:rPr lang="en-US" altLang="zh-CN" dirty="0"/>
+              <a:t>After communicating with the professor, we would treat all categorical attributes as the same type rather than splitting into nominal and ordinal ones.</a:t>
+            </a:r>
+          </a:p>
+          <a:p>
+            <a:pPr marL="285750" indent="-285750">
+              <a:lnSpc>
+                <a:spcPct val="120000"/>
+              </a:lnSpc>
+              <a:buClr>
+                <a:srgbClr val="D41B2C"/>
+              </a:buClr>
+              <a:buFont typeface="Wingdings" panose="05000000000000000000" pitchFamily="2" charset="2"/>
+              <a:buChar char="n"/>
+            </a:pPr>
+            <a:r>
+              <a:rPr lang="en-US" altLang="zh-CN" dirty="0"/>
+              <a:t>After looking into the original dataset, </a:t>
+            </a:r>
+            <a:r>
+              <a:rPr lang="en-US" altLang="zh-CN" b="1" dirty="0">
+                <a:solidFill>
+                  <a:srgbClr val="D41B2C"/>
+                </a:solidFill>
+              </a:rPr>
+              <a:t>all attributes are pre-encoded and no one can be defined as numerical</a:t>
+            </a:r>
+            <a:r>
+              <a:rPr lang="en-US" altLang="zh-CN" dirty="0"/>
+              <a:t>. It may be for the consideration of privacy.</a:t>
+            </a:r>
+          </a:p>
+        </p:txBody>
+      </p:sp>
+      <p:pic>
+        <p:nvPicPr>
+          <p:cNvPr id="2050" name="Picture 2" descr="No description has been provided for this image">
+            <a:extLst>
+              <a:ext uri="{FF2B5EF4-FFF2-40B4-BE49-F238E27FC236}">
+                <a16:creationId xmlns:a16="http://schemas.microsoft.com/office/drawing/2014/main" id="{2F581B0C-8991-2B11-3A89-24D9373461CA}"/>
+              </a:ext>
+            </a:extLst>
+          </p:cNvPr>
+          <p:cNvPicPr>
+            <a:picLocks noChangeAspect="1" noChangeArrowheads="1"/>
+          </p:cNvPicPr>
+          <p:nvPr/>
+        </p:nvPicPr>
+        <p:blipFill>
+          <a:blip r:embed="rId2">
+            <a:extLst>
+              <a:ext uri="{28A0092B-C50C-407E-A947-70E740481C1C}">
+                <a14:useLocalDpi xmlns:a14="http://schemas.microsoft.com/office/drawing/2010/main" val="0"/>
+              </a:ext>
+            </a:extLst>
+          </a:blip>
+          <a:srcRect/>
+          <a:stretch>
+            <a:fillRect/>
+          </a:stretch>
+        </p:blipFill>
+        <p:spPr bwMode="auto">
+          <a:xfrm>
+            <a:off x="569226" y="1638300"/>
+            <a:ext cx="5164269" cy="4517951"/>
+          </a:xfrm>
+          <a:prstGeom prst="rect">
+            <a:avLst/>
+          </a:prstGeom>
+          <a:noFill/>
+          <a:ln>
+            <a:solidFill>
+              <a:srgbClr val="328EB5"/>
+            </a:solidFill>
+          </a:ln>
+          <a:extLst>
+            <a:ext uri="{909E8E84-426E-40DD-AFC4-6F175D3DCCD1}">
+              <a14:hiddenFill xmlns:a14="http://schemas.microsoft.com/office/drawing/2010/main">
+                <a:solidFill>
+                  <a:srgbClr val="FFFFFF"/>
+                </a:solidFill>
+              </a14:hiddenFill>
+            </a:ext>
+          </a:extLst>
+        </p:spPr>
+      </p:pic>
+    </p:spTree>
+    <p:extLst>
+      <p:ext uri="{BB962C8B-B14F-4D97-AF65-F5344CB8AC3E}">
+        <p14:creationId xmlns:p14="http://schemas.microsoft.com/office/powerpoint/2010/main" val="568693034"/>
+      </p:ext>
+    </p:extLst>
+  </p:cSld>
+  <p:clrMapOvr>
+    <a:masterClrMapping/>
+  </p:clrMapOvr>
+</p:sld>
+</file>
+
+<file path=ppt/slides/slide8.xml><?xml version="1.0" encoding="utf-8"?>
+<p:sld xmlns:a="http://schemas.openxmlformats.org/drawingml/2006/main" xmlns:r="http://schemas.openxmlformats.org/officeDocument/2006/relationships" xmlns:p="http://schemas.openxmlformats.org/presentationml/2006/main">
+  <p:cSld>
+    <p:spTree>
+      <p:nvGrpSpPr>
+        <p:cNvPr id="1" name=""/>
+        <p:cNvGrpSpPr/>
+        <p:nvPr/>
+      </p:nvGrpSpPr>
+      <p:grpSpPr>
+        <a:xfrm>
+          <a:off x="0" y="0"/>
+          <a:ext cx="0" cy="0"/>
+          <a:chOff x="0" y="0"/>
+          <a:chExt cx="0" cy="0"/>
+        </a:xfrm>
+      </p:grpSpPr>
+      <p:sp>
+        <p:nvSpPr>
+          <p:cNvPr id="7" name="TextBox 6">
+            <a:extLst>
+              <a:ext uri="{FF2B5EF4-FFF2-40B4-BE49-F238E27FC236}">
+                <a16:creationId xmlns:a16="http://schemas.microsoft.com/office/drawing/2014/main" id="{5D125FF5-A4BE-F7D1-48A3-B299B2BD4C00}"/>
+              </a:ext>
+            </a:extLst>
+          </p:cNvPr>
+          <p:cNvSpPr txBox="1"/>
+          <p:nvPr/>
+        </p:nvSpPr>
+        <p:spPr>
+          <a:xfrm>
+            <a:off x="781878" y="160847"/>
+            <a:ext cx="11410122" cy="658835"/>
+          </a:xfrm>
+          <a:prstGeom prst="rect">
+            <a:avLst/>
+          </a:prstGeom>
+          <a:noFill/>
+        </p:spPr>
+        <p:txBody>
+          <a:bodyPr wrap="square">
+            <a:spAutoFit/>
+          </a:bodyPr>
+          <a:lstStyle/>
+          <a:p>
+            <a:pPr>
+              <a:lnSpc>
+                <a:spcPct val="150000"/>
+              </a:lnSpc>
+            </a:pPr>
+            <a:r>
+              <a:rPr lang="en-US" altLang="zh-CN" sz="2800" dirty="0">
+                <a:solidFill>
+                  <a:schemeClr val="bg2">
+                    <a:lumMod val="25000"/>
+                  </a:schemeClr>
+                </a:solidFill>
+                <a:latin typeface="Arial" panose="020B0604020202020204" pitchFamily="34" charset="0"/>
+                <a:ea typeface="微软雅黑" panose="020B0503020204020204" pitchFamily="34" charset="-122"/>
+                <a:cs typeface="Arial" panose="020B0604020202020204" pitchFamily="34" charset="0"/>
+              </a:rPr>
+              <a:t>EDA on Train Set: Target encode categorical attributes</a:t>
+            </a:r>
+          </a:p>
+        </p:txBody>
+      </p:sp>
+      <p:sp>
+        <p:nvSpPr>
+          <p:cNvPr id="11" name="Slide Number Placeholder 10">
+            <a:extLst>
+              <a:ext uri="{FF2B5EF4-FFF2-40B4-BE49-F238E27FC236}">
+                <a16:creationId xmlns:a16="http://schemas.microsoft.com/office/drawing/2014/main" id="{E4FAC7AA-BDB7-F7C0-F177-96942C945B33}"/>
+              </a:ext>
+            </a:extLst>
+          </p:cNvPr>
+          <p:cNvSpPr>
+            <a:spLocks noGrp="1"/>
+          </p:cNvSpPr>
+          <p:nvPr>
+            <p:ph type="sldNum" sz="quarter" idx="12"/>
+          </p:nvPr>
+        </p:nvSpPr>
+        <p:spPr/>
+        <p:txBody>
+          <a:bodyPr/>
+          <a:lstStyle/>
+          <a:p>
+            <a:fld id="{CD1615FA-664A-4E3E-8664-50FDFADF9207}" type="slidenum">
+              <a:rPr lang="zh-CN" altLang="en-US" smtClean="0"/>
+              <a:t>8</a:t>
+            </a:fld>
+            <a:endParaRPr lang="zh-CN" altLang="en-US"/>
+          </a:p>
+        </p:txBody>
+      </p:sp>
+      <p:sp>
+        <p:nvSpPr>
+          <p:cNvPr id="2" name="Flowchart: Process 1">
+            <a:extLst>
+              <a:ext uri="{FF2B5EF4-FFF2-40B4-BE49-F238E27FC236}">
+                <a16:creationId xmlns:a16="http://schemas.microsoft.com/office/drawing/2014/main" id="{8105CBB4-A62C-646D-028E-C22D78DFD5E9}"/>
+              </a:ext>
+            </a:extLst>
+          </p:cNvPr>
+          <p:cNvSpPr/>
+          <p:nvPr/>
+        </p:nvSpPr>
+        <p:spPr>
+          <a:xfrm flipV="1">
+            <a:off x="0" y="1046870"/>
+            <a:ext cx="12192000" cy="9144"/>
+          </a:xfrm>
+          <a:prstGeom prst="flowChartProcess">
+            <a:avLst/>
+          </a:prstGeom>
+          <a:solidFill>
+            <a:srgbClr val="D41B2C"/>
+          </a:solidFill>
+          <a:ln>
+            <a:noFill/>
+          </a:ln>
+        </p:spPr>
+        <p:style>
+          <a:lnRef idx="2">
+            <a:schemeClr val="accent1">
+              <a:shade val="15000"/>
+            </a:schemeClr>
+          </a:lnRef>
+          <a:fillRef idx="1">
+            <a:schemeClr val="accent1"/>
+          </a:fillRef>
+          <a:effectRef idx="0">
+            <a:schemeClr val="accent1"/>
+          </a:effectRef>
+          <a:fontRef idx="minor">
+            <a:schemeClr val="lt1"/>
+          </a:fontRef>
+        </p:style>
+        <p:txBody>
+          <a:bodyPr rtlCol="0" anchor="ctr"/>
+          <a:lstStyle/>
+          <a:p>
+            <a:pPr algn="ctr"/>
+            <a:endParaRPr lang="zh-CN" altLang="en-US"/>
+          </a:p>
+        </p:txBody>
+      </p:sp>
+      <p:sp>
+        <p:nvSpPr>
+          <p:cNvPr id="20" name="TextBox 19">
+            <a:extLst>
+              <a:ext uri="{FF2B5EF4-FFF2-40B4-BE49-F238E27FC236}">
+                <a16:creationId xmlns:a16="http://schemas.microsoft.com/office/drawing/2014/main" id="{BAEF2FF1-A63F-6AB0-0684-32845CC7325D}"/>
+              </a:ext>
+            </a:extLst>
+          </p:cNvPr>
+          <p:cNvSpPr txBox="1"/>
+          <p:nvPr/>
+        </p:nvSpPr>
+        <p:spPr>
+          <a:xfrm>
+            <a:off x="971106" y="1638300"/>
+            <a:ext cx="7822019" cy="735714"/>
+          </a:xfrm>
+          <a:prstGeom prst="rect">
+            <a:avLst/>
+          </a:prstGeom>
+          <a:noFill/>
+        </p:spPr>
+        <p:txBody>
+          <a:bodyPr wrap="square">
+            <a:spAutoFit/>
+          </a:bodyPr>
+          <a:lstStyle/>
+          <a:p>
+            <a:pPr marL="285750" indent="-285750">
+              <a:lnSpc>
+                <a:spcPct val="120000"/>
+              </a:lnSpc>
+              <a:buClr>
+                <a:srgbClr val="D41B2C"/>
+              </a:buClr>
+              <a:buFont typeface="Wingdings" panose="05000000000000000000" pitchFamily="2" charset="2"/>
+              <a:buChar char="n"/>
+            </a:pPr>
+            <a:r>
+              <a:rPr lang="en-US" altLang="zh-CN" dirty="0"/>
+              <a:t>As the high number of unique values in some attributes, </a:t>
+            </a:r>
+            <a:r>
+              <a:rPr lang="en-US" altLang="zh-CN" b="1" dirty="0">
+                <a:solidFill>
+                  <a:srgbClr val="D41B2C"/>
+                </a:solidFill>
+              </a:rPr>
+              <a:t>Target-Encoding</a:t>
+            </a:r>
+            <a:r>
+              <a:rPr lang="en-US" altLang="zh-CN" dirty="0"/>
+              <a:t> rather than </a:t>
+            </a:r>
+            <a:r>
+              <a:rPr lang="en-US" altLang="zh-CN" dirty="0" err="1"/>
+              <a:t>OneHot</a:t>
+            </a:r>
+            <a:r>
+              <a:rPr lang="en-US" altLang="zh-CN" dirty="0"/>
+              <a:t>-Encoding should be applied.</a:t>
+            </a:r>
+          </a:p>
+        </p:txBody>
+      </p:sp>
+      <p:pic>
+        <p:nvPicPr>
+          <p:cNvPr id="4" name="Picture 3">
+            <a:extLst>
+              <a:ext uri="{FF2B5EF4-FFF2-40B4-BE49-F238E27FC236}">
+                <a16:creationId xmlns:a16="http://schemas.microsoft.com/office/drawing/2014/main" id="{34BA3D8C-63FD-133B-51B0-E93A7020E27B}"/>
+              </a:ext>
+            </a:extLst>
+          </p:cNvPr>
+          <p:cNvPicPr>
+            <a:picLocks noChangeAspect="1"/>
+          </p:cNvPicPr>
+          <p:nvPr/>
+        </p:nvPicPr>
+        <p:blipFill>
+          <a:blip r:embed="rId2"/>
+          <a:stretch>
+            <a:fillRect/>
+          </a:stretch>
+        </p:blipFill>
+        <p:spPr>
+          <a:xfrm>
+            <a:off x="971107" y="2719724"/>
+            <a:ext cx="8471335" cy="2736991"/>
+          </a:xfrm>
+          <a:prstGeom prst="rect">
+            <a:avLst/>
+          </a:prstGeom>
+          <a:solidFill>
+            <a:srgbClr val="328EB5"/>
+          </a:solidFill>
+          <a:ln>
+            <a:solidFill>
+              <a:srgbClr val="328EB5"/>
+            </a:solidFill>
+          </a:ln>
+        </p:spPr>
+      </p:pic>
+    </p:spTree>
+    <p:extLst>
+      <p:ext uri="{BB962C8B-B14F-4D97-AF65-F5344CB8AC3E}">
+        <p14:creationId xmlns:p14="http://schemas.microsoft.com/office/powerpoint/2010/main" val="1875778595"/>
+      </p:ext>
+    </p:extLst>
+  </p:cSld>
+  <p:clrMapOvr>
+    <a:masterClrMapping/>
+  </p:clrMapOvr>
+</p:sld>
+</file>
+
+<file path=ppt/slides/slide9.xml><?xml version="1.0" encoding="utf-8"?>
+<p:sld xmlns:a="http://schemas.openxmlformats.org/drawingml/2006/main" xmlns:r="http://schemas.openxmlformats.org/officeDocument/2006/relationships" xmlns:p="http://schemas.openxmlformats.org/presentationml/2006/main">
+  <p:cSld>
+    <p:spTree>
+      <p:nvGrpSpPr>
+        <p:cNvPr id="1" name=""/>
+        <p:cNvGrpSpPr/>
+        <p:nvPr/>
+      </p:nvGrpSpPr>
+      <p:grpSpPr>
+        <a:xfrm>
+          <a:off x="0" y="0"/>
+          <a:ext cx="0" cy="0"/>
+          <a:chOff x="0" y="0"/>
+          <a:chExt cx="0" cy="0"/>
+        </a:xfrm>
+      </p:grpSpPr>
+      <p:sp>
+        <p:nvSpPr>
+          <p:cNvPr id="7" name="TextBox 6">
+            <a:extLst>
+              <a:ext uri="{FF2B5EF4-FFF2-40B4-BE49-F238E27FC236}">
+                <a16:creationId xmlns:a16="http://schemas.microsoft.com/office/drawing/2014/main" id="{5D125FF5-A4BE-F7D1-48A3-B299B2BD4C00}"/>
+              </a:ext>
+            </a:extLst>
+          </p:cNvPr>
+          <p:cNvSpPr txBox="1"/>
+          <p:nvPr/>
+        </p:nvSpPr>
+        <p:spPr>
+          <a:xfrm>
+            <a:off x="781878" y="160847"/>
+            <a:ext cx="11410122" cy="658835"/>
+          </a:xfrm>
+          <a:prstGeom prst="rect">
+            <a:avLst/>
+          </a:prstGeom>
+          <a:noFill/>
+        </p:spPr>
+        <p:txBody>
+          <a:bodyPr wrap="square">
+            <a:spAutoFit/>
+          </a:bodyPr>
+          <a:lstStyle/>
+          <a:p>
+            <a:pPr>
+              <a:lnSpc>
+                <a:spcPct val="150000"/>
+              </a:lnSpc>
+            </a:pPr>
+            <a:r>
+              <a:rPr lang="en-US" altLang="zh-CN" sz="2800" dirty="0">
+                <a:solidFill>
+                  <a:schemeClr val="bg2">
+                    <a:lumMod val="25000"/>
+                  </a:schemeClr>
+                </a:solidFill>
+                <a:latin typeface="Arial" panose="020B0604020202020204" pitchFamily="34" charset="0"/>
+                <a:ea typeface="微软雅黑" panose="020B0503020204020204" pitchFamily="34" charset="-122"/>
+                <a:cs typeface="Arial" panose="020B0604020202020204" pitchFamily="34" charset="0"/>
+              </a:rPr>
+              <a:t>EDA on Train Set: EDA on encoded attributes (distribution)</a:t>
+            </a:r>
+          </a:p>
+        </p:txBody>
+      </p:sp>
+      <p:sp>
+        <p:nvSpPr>
+          <p:cNvPr id="11" name="Slide Number Placeholder 10">
+            <a:extLst>
+              <a:ext uri="{FF2B5EF4-FFF2-40B4-BE49-F238E27FC236}">
+                <a16:creationId xmlns:a16="http://schemas.microsoft.com/office/drawing/2014/main" id="{E4FAC7AA-BDB7-F7C0-F177-96942C945B33}"/>
+              </a:ext>
+            </a:extLst>
+          </p:cNvPr>
+          <p:cNvSpPr>
+            <a:spLocks noGrp="1"/>
+          </p:cNvSpPr>
+          <p:nvPr>
+            <p:ph type="sldNum" sz="quarter" idx="12"/>
+          </p:nvPr>
+        </p:nvSpPr>
+        <p:spPr/>
+        <p:txBody>
+          <a:bodyPr/>
+          <a:lstStyle/>
+          <a:p>
+            <a:fld id="{CD1615FA-664A-4E3E-8664-50FDFADF9207}" type="slidenum">
+              <a:rPr lang="zh-CN" altLang="en-US" smtClean="0"/>
+              <a:t>9</a:t>
+            </a:fld>
+            <a:endParaRPr lang="zh-CN" altLang="en-US"/>
+          </a:p>
+        </p:txBody>
+      </p:sp>
+      <p:sp>
+        <p:nvSpPr>
+          <p:cNvPr id="2" name="Flowchart: Process 1">
+            <a:extLst>
+              <a:ext uri="{FF2B5EF4-FFF2-40B4-BE49-F238E27FC236}">
+                <a16:creationId xmlns:a16="http://schemas.microsoft.com/office/drawing/2014/main" id="{8105CBB4-A62C-646D-028E-C22D78DFD5E9}"/>
+              </a:ext>
+            </a:extLst>
+          </p:cNvPr>
+          <p:cNvSpPr/>
+          <p:nvPr/>
+        </p:nvSpPr>
+        <p:spPr>
+          <a:xfrm flipV="1">
+            <a:off x="0" y="1046870"/>
+            <a:ext cx="12192000" cy="9144"/>
+          </a:xfrm>
+          <a:prstGeom prst="flowChartProcess">
+            <a:avLst/>
+          </a:prstGeom>
+          <a:solidFill>
+            <a:srgbClr val="D41B2C"/>
+          </a:solidFill>
+          <a:ln>
+            <a:noFill/>
+          </a:ln>
+        </p:spPr>
+        <p:style>
+          <a:lnRef idx="2">
+            <a:schemeClr val="accent1">
+              <a:shade val="15000"/>
+            </a:schemeClr>
+          </a:lnRef>
+          <a:fillRef idx="1">
+            <a:schemeClr val="accent1"/>
+          </a:fillRef>
+          <a:effectRef idx="0">
+            <a:schemeClr val="accent1"/>
+          </a:effectRef>
+          <a:fontRef idx="minor">
+            <a:schemeClr val="lt1"/>
+          </a:fontRef>
+        </p:style>
+        <p:txBody>
+          <a:bodyPr rtlCol="0" anchor="ctr"/>
+          <a:lstStyle/>
+          <a:p>
+            <a:pPr algn="ctr"/>
+            <a:endParaRPr lang="zh-CN" altLang="en-US"/>
+          </a:p>
+        </p:txBody>
+      </p:sp>
+      <p:pic>
+        <p:nvPicPr>
+          <p:cNvPr id="3074" name="Picture 2" descr="No description has been provided for this image">
+            <a:extLst>
+              <a:ext uri="{FF2B5EF4-FFF2-40B4-BE49-F238E27FC236}">
+                <a16:creationId xmlns:a16="http://schemas.microsoft.com/office/drawing/2014/main" id="{86C00E02-527D-0DEB-7789-1B5BF376CDAA}"/>
+              </a:ext>
+            </a:extLst>
+          </p:cNvPr>
+          <p:cNvPicPr>
+            <a:picLocks noChangeAspect="1" noChangeArrowheads="1"/>
+          </p:cNvPicPr>
+          <p:nvPr/>
+        </p:nvPicPr>
+        <p:blipFill>
+          <a:blip r:embed="rId2">
+            <a:extLst>
+              <a:ext uri="{28A0092B-C50C-407E-A947-70E740481C1C}">
+                <a14:useLocalDpi xmlns:a14="http://schemas.microsoft.com/office/drawing/2010/main" val="0"/>
+              </a:ext>
+            </a:extLst>
+          </a:blip>
+          <a:srcRect/>
+          <a:stretch>
+            <a:fillRect/>
+          </a:stretch>
+        </p:blipFill>
+        <p:spPr bwMode="auto">
+          <a:xfrm>
+            <a:off x="589407" y="1638301"/>
+            <a:ext cx="5195931" cy="4539216"/>
+          </a:xfrm>
+          <a:prstGeom prst="rect">
+            <a:avLst/>
+          </a:prstGeom>
+          <a:noFill/>
+          <a:ln>
+            <a:solidFill>
+              <a:srgbClr val="328EB5"/>
+            </a:solidFill>
+          </a:ln>
+          <a:extLst>
+            <a:ext uri="{909E8E84-426E-40DD-AFC4-6F175D3DCCD1}">
+              <a14:hiddenFill xmlns:a14="http://schemas.microsoft.com/office/drawing/2010/main">
+                <a:solidFill>
+                  <a:srgbClr val="FFFFFF"/>
+                </a:solidFill>
+              </a14:hiddenFill>
+            </a:ext>
+          </a:extLst>
+        </p:spPr>
+      </p:pic>
+      <p:sp>
+        <p:nvSpPr>
+          <p:cNvPr id="5" name="TextBox 4">
+            <a:extLst>
+              <a:ext uri="{FF2B5EF4-FFF2-40B4-BE49-F238E27FC236}">
+                <a16:creationId xmlns:a16="http://schemas.microsoft.com/office/drawing/2014/main" id="{ADBBB4F8-6B9D-FEF2-AEE8-6C009B458ECD}"/>
+              </a:ext>
+            </a:extLst>
+          </p:cNvPr>
+          <p:cNvSpPr txBox="1"/>
+          <p:nvPr/>
+        </p:nvSpPr>
+        <p:spPr>
+          <a:xfrm>
+            <a:off x="6486939" y="3339474"/>
+            <a:ext cx="4910470" cy="1400512"/>
+          </a:xfrm>
+          <a:prstGeom prst="rect">
+            <a:avLst/>
+          </a:prstGeom>
+          <a:noFill/>
+        </p:spPr>
+        <p:txBody>
+          <a:bodyPr wrap="square">
+            <a:spAutoFit/>
+          </a:bodyPr>
+          <a:lstStyle>
+            <a:defPPr>
+              <a:defRPr lang="zh-CN"/>
+            </a:defPPr>
+            <a:lvl1pPr marL="285750" indent="-285750">
+              <a:lnSpc>
+                <a:spcPct val="120000"/>
+              </a:lnSpc>
+              <a:buClr>
+                <a:srgbClr val="D41B2C"/>
+              </a:buClr>
+              <a:buFont typeface="Wingdings" panose="05000000000000000000" pitchFamily="2" charset="2"/>
+              <a:buChar char="n"/>
+              <a:defRPr/>
+            </a:lvl1pPr>
+          </a:lstStyle>
+          <a:p>
+            <a:r>
+              <a:rPr lang="en-US" altLang="zh-CN" dirty="0"/>
+              <a:t>The distribution of encoded attributes becomes </a:t>
+            </a:r>
+            <a:r>
+              <a:rPr lang="en-US" altLang="zh-CN" b="1" dirty="0">
+                <a:solidFill>
+                  <a:srgbClr val="D41B2C"/>
+                </a:solidFill>
+              </a:rPr>
+              <a:t>consecutive and smoother </a:t>
+            </a:r>
+            <a:r>
+              <a:rPr lang="en-US" altLang="zh-CN" dirty="0"/>
+              <a:t>than before, as target encoding is less sensitive to extreme values.</a:t>
+            </a:r>
+            <a:endParaRPr lang="zh-CN" altLang="en-US" dirty="0"/>
+          </a:p>
+        </p:txBody>
+      </p:sp>
+    </p:spTree>
+    <p:extLst>
+      <p:ext uri="{BB962C8B-B14F-4D97-AF65-F5344CB8AC3E}">
+        <p14:creationId xmlns:p14="http://schemas.microsoft.com/office/powerpoint/2010/main" val="1549271726"/>
       </p:ext>
     </p:extLst>
   </p:cSld>

--- a/submissions/phase2/eda.pptx
+++ b/submissions/phase2/eda.pptx
@@ -3993,15 +3993,7 @@
           <a:p>
             <a:r>
               <a:rPr lang="en-US" altLang="zh-CN" dirty="0"/>
-              <a:t>Outlier fraction in all attributes decreased after target encoding. This is reasonable as target encoding can kind of smooth extreme values and make the feature less "</a:t>
-            </a:r>
-            <a:r>
-              <a:rPr lang="en-US" altLang="zh-CN" dirty="0" err="1"/>
-              <a:t>outliery</a:t>
-            </a:r>
-            <a:r>
-              <a:rPr lang="en-US" altLang="zh-CN" dirty="0"/>
-              <a:t>".</a:t>
+              <a:t>There are still some attributes with a significantly high outlier fraction (&gt;20%) after target encoding, this is reasonable for transformed categorical variables.</a:t>
             </a:r>
           </a:p>
         </p:txBody>
@@ -4138,9 +4130,8 @@
           <a:p>
             <a:r>
               <a:rPr lang="en-US" altLang="zh-CN" dirty="0"/>
-              <a:t>However, there are still some attributes with a significantly high outlier fraction (&gt;20%). We will not decide to drop them simply in this step. Some of them seem like useful predictors.</a:t>
-            </a:r>
-            <a:endParaRPr lang="zh-CN" altLang="en-US" dirty="0"/>
+              <a:t>We will not decide to drop them simply in this step. Considering the domain knowledge, some of them may be useful predictors. </a:t>
+            </a:r>
           </a:p>
         </p:txBody>
       </p:sp>
